--- a/Projektpräsentation.pptx
+++ b/Projektpräsentation.pptx
@@ -7,6 +7,8 @@
   <p:sldIdLst>
     <p:sldId id="256" r:id="rId2"/>
     <p:sldId id="257" r:id="rId3"/>
+    <p:sldId id="258" r:id="rId4"/>
+    <p:sldId id="259" r:id="rId5"/>
   </p:sldIdLst>
   <p:sldSz cx="12192000" cy="6858000"/>
   <p:notesSz cx="6858000" cy="9144000"/>
@@ -105,6 +107,11 @@
       </a:defRPr>
     </a:lvl9pPr>
   </p:defaultTextStyle>
+  <p:extLst>
+    <p:ext uri="{EFAFB233-063F-42B5-8137-9DF3F51BA10A}">
+      <p15:sldGuideLst xmlns:p15="http://schemas.microsoft.com/office/powerpoint/2012/main"/>
+    </p:ext>
+  </p:extLst>
 </p:presentation>
 </file>
 
@@ -158,7 +165,7 @@
           <a:noFill/>
           <a:extLst>
             <a:ext uri="{909E8E84-426E-40dd-AFC4-6F175D3DCCD1}">
-              <a14:hiddenFill xmlns:a14="http://schemas.microsoft.com/office/drawing/2010/main" xmlns="">
+              <a14:hiddenFill xmlns="" xmlns:a14="http://schemas.microsoft.com/office/drawing/2010/main">
                 <a:solidFill>
                   <a:srgbClr val="FFFFFF"/>
                 </a:solidFill>
@@ -218,7 +225,7 @@
             </a:ln>
             <a:extLst>
               <a:ext uri="{91240B29-F687-4f45-9708-019B960494DF}">
-                <a14:hiddenLine xmlns:a14="http://schemas.microsoft.com/office/drawing/2010/main" xmlns="" w="9525">
+                <a14:hiddenLine xmlns="" xmlns:a14="http://schemas.microsoft.com/office/drawing/2010/main" w="9525">
                   <a:solidFill>
                     <a:srgbClr val="000000"/>
                   </a:solidFill>
@@ -308,7 +315,7 @@
             </a:ln>
             <a:extLst>
               <a:ext uri="{91240B29-F687-4f45-9708-019B960494DF}">
-                <a14:hiddenLine xmlns:a14="http://schemas.microsoft.com/office/drawing/2010/main" xmlns="" w="9525">
+                <a14:hiddenLine xmlns="" xmlns:a14="http://schemas.microsoft.com/office/drawing/2010/main" w="9525">
                   <a:solidFill>
                     <a:srgbClr val="000000"/>
                   </a:solidFill>
@@ -398,7 +405,7 @@
             </a:ln>
             <a:extLst>
               <a:ext uri="{91240B29-F687-4f45-9708-019B960494DF}">
-                <a14:hiddenLine xmlns:a14="http://schemas.microsoft.com/office/drawing/2010/main" xmlns="" w="9525">
+                <a14:hiddenLine xmlns="" xmlns:a14="http://schemas.microsoft.com/office/drawing/2010/main" w="9525">
                   <a:solidFill>
                     <a:srgbClr val="000000"/>
                   </a:solidFill>
@@ -432,7 +439,7 @@
             </a:ln>
             <a:extLst>
               <a:ext uri="{91240B29-F687-4f45-9708-019B960494DF}">
-                <a14:hiddenLine xmlns:a14="http://schemas.microsoft.com/office/drawing/2010/main" xmlns="" w="9525">
+                <a14:hiddenLine xmlns="" xmlns:a14="http://schemas.microsoft.com/office/drawing/2010/main" w="9525">
                   <a:solidFill>
                     <a:srgbClr val="000000"/>
                   </a:solidFill>
@@ -522,7 +529,7 @@
             </a:ln>
             <a:extLst>
               <a:ext uri="{91240B29-F687-4f45-9708-019B960494DF}">
-                <a14:hiddenLine xmlns:a14="http://schemas.microsoft.com/office/drawing/2010/main" xmlns="" w="9525">
+                <a14:hiddenLine xmlns="" xmlns:a14="http://schemas.microsoft.com/office/drawing/2010/main" w="9525">
                   <a:solidFill>
                     <a:srgbClr val="000000"/>
                   </a:solidFill>
@@ -584,7 +591,7 @@
             </a:ln>
             <a:extLst>
               <a:ext uri="{91240B29-F687-4f45-9708-019B960494DF}">
-                <a14:hiddenLine xmlns:a14="http://schemas.microsoft.com/office/drawing/2010/main" xmlns="" w="9525">
+                <a14:hiddenLine xmlns="" xmlns:a14="http://schemas.microsoft.com/office/drawing/2010/main" w="9525">
                   <a:solidFill>
                     <a:srgbClr val="000000"/>
                   </a:solidFill>
@@ -646,7 +653,7 @@
             </a:ln>
             <a:extLst>
               <a:ext uri="{91240B29-F687-4f45-9708-019B960494DF}">
-                <a14:hiddenLine xmlns:a14="http://schemas.microsoft.com/office/drawing/2010/main" xmlns="" w="9525">
+                <a14:hiddenLine xmlns="" xmlns:a14="http://schemas.microsoft.com/office/drawing/2010/main" w="9525">
                   <a:solidFill>
                     <a:srgbClr val="000000"/>
                   </a:solidFill>
@@ -736,7 +743,7 @@
             </a:ln>
             <a:extLst>
               <a:ext uri="{91240B29-F687-4f45-9708-019B960494DF}">
-                <a14:hiddenLine xmlns:a14="http://schemas.microsoft.com/office/drawing/2010/main" xmlns="" w="9525">
+                <a14:hiddenLine xmlns="" xmlns:a14="http://schemas.microsoft.com/office/drawing/2010/main" w="9525">
                   <a:solidFill>
                     <a:srgbClr val="000000"/>
                   </a:solidFill>
@@ -798,7 +805,7 @@
             </a:ln>
             <a:extLst>
               <a:ext uri="{91240B29-F687-4f45-9708-019B960494DF}">
-                <a14:hiddenLine xmlns:a14="http://schemas.microsoft.com/office/drawing/2010/main" xmlns="" w="9525">
+                <a14:hiddenLine xmlns="" xmlns:a14="http://schemas.microsoft.com/office/drawing/2010/main" w="9525">
                   <a:solidFill>
                     <a:srgbClr val="000000"/>
                   </a:solidFill>
@@ -860,7 +867,7 @@
             </a:ln>
             <a:extLst>
               <a:ext uri="{91240B29-F687-4f45-9708-019B960494DF}">
-                <a14:hiddenLine xmlns:a14="http://schemas.microsoft.com/office/drawing/2010/main" xmlns="" w="9525">
+                <a14:hiddenLine xmlns="" xmlns:a14="http://schemas.microsoft.com/office/drawing/2010/main" w="9525">
                   <a:solidFill>
                     <a:srgbClr val="000000"/>
                   </a:solidFill>
@@ -950,7 +957,7 @@
             </a:ln>
             <a:extLst>
               <a:ext uri="{91240B29-F687-4f45-9708-019B960494DF}">
-                <a14:hiddenLine xmlns:a14="http://schemas.microsoft.com/office/drawing/2010/main" xmlns="" w="9525">
+                <a14:hiddenLine xmlns="" xmlns:a14="http://schemas.microsoft.com/office/drawing/2010/main" w="9525">
                   <a:solidFill>
                     <a:srgbClr val="000000"/>
                   </a:solidFill>
@@ -1040,7 +1047,7 @@
             </a:ln>
             <a:extLst>
               <a:ext uri="{91240B29-F687-4f45-9708-019B960494DF}">
-                <a14:hiddenLine xmlns:a14="http://schemas.microsoft.com/office/drawing/2010/main" xmlns="" w="9525">
+                <a14:hiddenLine xmlns="" xmlns:a14="http://schemas.microsoft.com/office/drawing/2010/main" w="9525">
                   <a:solidFill>
                     <a:srgbClr val="000000"/>
                   </a:solidFill>
@@ -1102,7 +1109,7 @@
             </a:ln>
             <a:extLst>
               <a:ext uri="{91240B29-F687-4f45-9708-019B960494DF}">
-                <a14:hiddenLine xmlns:a14="http://schemas.microsoft.com/office/drawing/2010/main" xmlns="" w="9525">
+                <a14:hiddenLine xmlns="" xmlns:a14="http://schemas.microsoft.com/office/drawing/2010/main" w="9525">
                   <a:solidFill>
                     <a:srgbClr val="000000"/>
                   </a:solidFill>
@@ -1212,7 +1219,7 @@
             </a:ln>
             <a:extLst>
               <a:ext uri="{91240B29-F687-4f45-9708-019B960494DF}">
-                <a14:hiddenLine xmlns:a14="http://schemas.microsoft.com/office/drawing/2010/main" xmlns="" w="9525">
+                <a14:hiddenLine xmlns="" xmlns:a14="http://schemas.microsoft.com/office/drawing/2010/main" w="9525">
                   <a:solidFill>
                     <a:srgbClr val="000000"/>
                   </a:solidFill>
@@ -1274,7 +1281,7 @@
             </a:ln>
             <a:extLst>
               <a:ext uri="{91240B29-F687-4f45-9708-019B960494DF}">
-                <a14:hiddenLine xmlns:a14="http://schemas.microsoft.com/office/drawing/2010/main" xmlns="" w="9525">
+                <a14:hiddenLine xmlns="" xmlns:a14="http://schemas.microsoft.com/office/drawing/2010/main" w="9525">
                   <a:solidFill>
                     <a:srgbClr val="000000"/>
                   </a:solidFill>
@@ -1364,7 +1371,7 @@
             </a:ln>
             <a:extLst>
               <a:ext uri="{91240B29-F687-4f45-9708-019B960494DF}">
-                <a14:hiddenLine xmlns:a14="http://schemas.microsoft.com/office/drawing/2010/main" xmlns="" w="9525">
+                <a14:hiddenLine xmlns="" xmlns:a14="http://schemas.microsoft.com/office/drawing/2010/main" w="9525">
                   <a:solidFill>
                     <a:srgbClr val="000000"/>
                   </a:solidFill>
@@ -1454,7 +1461,7 @@
             </a:ln>
             <a:extLst>
               <a:ext uri="{91240B29-F687-4f45-9708-019B960494DF}">
-                <a14:hiddenLine xmlns:a14="http://schemas.microsoft.com/office/drawing/2010/main" xmlns="" w="9525">
+                <a14:hiddenLine xmlns="" xmlns:a14="http://schemas.microsoft.com/office/drawing/2010/main" w="9525">
                   <a:solidFill>
                     <a:srgbClr val="000000"/>
                   </a:solidFill>
@@ -1516,7 +1523,7 @@
             </a:ln>
             <a:extLst>
               <a:ext uri="{91240B29-F687-4f45-9708-019B960494DF}">
-                <a14:hiddenLine xmlns:a14="http://schemas.microsoft.com/office/drawing/2010/main" xmlns="" w="9525">
+                <a14:hiddenLine xmlns="" xmlns:a14="http://schemas.microsoft.com/office/drawing/2010/main" w="9525">
                   <a:solidFill>
                     <a:srgbClr val="000000"/>
                   </a:solidFill>
@@ -1606,7 +1613,7 @@
             </a:ln>
             <a:extLst>
               <a:ext uri="{91240B29-F687-4f45-9708-019B960494DF}">
-                <a14:hiddenLine xmlns:a14="http://schemas.microsoft.com/office/drawing/2010/main" xmlns="" w="9525">
+                <a14:hiddenLine xmlns="" xmlns:a14="http://schemas.microsoft.com/office/drawing/2010/main" w="9525">
                   <a:solidFill>
                     <a:srgbClr val="000000"/>
                   </a:solidFill>
@@ -1696,7 +1703,7 @@
             </a:ln>
             <a:extLst>
               <a:ext uri="{91240B29-F687-4f45-9708-019B960494DF}">
-                <a14:hiddenLine xmlns:a14="http://schemas.microsoft.com/office/drawing/2010/main" xmlns="" w="9525">
+                <a14:hiddenLine xmlns="" xmlns:a14="http://schemas.microsoft.com/office/drawing/2010/main" w="9525">
                   <a:solidFill>
                     <a:srgbClr val="000000"/>
                   </a:solidFill>
@@ -1752,7 +1759,7 @@
             </a:ln>
             <a:extLst>
               <a:ext uri="{91240B29-F687-4f45-9708-019B960494DF}">
-                <a14:hiddenLine xmlns:a14="http://schemas.microsoft.com/office/drawing/2010/main" xmlns="" w="9525">
+                <a14:hiddenLine xmlns="" xmlns:a14="http://schemas.microsoft.com/office/drawing/2010/main" w="9525">
                   <a:solidFill>
                     <a:srgbClr val="000000"/>
                   </a:solidFill>
@@ -1842,7 +1849,7 @@
             </a:ln>
             <a:extLst>
               <a:ext uri="{91240B29-F687-4f45-9708-019B960494DF}">
-                <a14:hiddenLine xmlns:a14="http://schemas.microsoft.com/office/drawing/2010/main" xmlns="" w="9525">
+                <a14:hiddenLine xmlns="" xmlns:a14="http://schemas.microsoft.com/office/drawing/2010/main" w="9525">
                   <a:solidFill>
                     <a:srgbClr val="000000"/>
                   </a:solidFill>
@@ -1898,7 +1905,7 @@
             </a:ln>
             <a:extLst>
               <a:ext uri="{91240B29-F687-4f45-9708-019B960494DF}">
-                <a14:hiddenLine xmlns:a14="http://schemas.microsoft.com/office/drawing/2010/main" xmlns="" w="9525">
+                <a14:hiddenLine xmlns="" xmlns:a14="http://schemas.microsoft.com/office/drawing/2010/main" w="9525">
                   <a:solidFill>
                     <a:srgbClr val="000000"/>
                   </a:solidFill>
@@ -1988,7 +1995,7 @@
             </a:ln>
             <a:extLst>
               <a:ext uri="{91240B29-F687-4f45-9708-019B960494DF}">
-                <a14:hiddenLine xmlns:a14="http://schemas.microsoft.com/office/drawing/2010/main" xmlns="" w="9525">
+                <a14:hiddenLine xmlns="" xmlns:a14="http://schemas.microsoft.com/office/drawing/2010/main" w="9525">
                   <a:solidFill>
                     <a:srgbClr val="000000"/>
                   </a:solidFill>
@@ -2056,7 +2063,7 @@
             </a:ln>
             <a:extLst>
               <a:ext uri="{91240B29-F687-4f45-9708-019B960494DF}">
-                <a14:hiddenLine xmlns:a14="http://schemas.microsoft.com/office/drawing/2010/main" xmlns="" w="9525">
+                <a14:hiddenLine xmlns="" xmlns:a14="http://schemas.microsoft.com/office/drawing/2010/main" w="9525">
                   <a:solidFill>
                     <a:srgbClr val="000000"/>
                   </a:solidFill>
@@ -2146,7 +2153,7 @@
             </a:ln>
             <a:extLst>
               <a:ext uri="{91240B29-F687-4f45-9708-019B960494DF}">
-                <a14:hiddenLine xmlns:a14="http://schemas.microsoft.com/office/drawing/2010/main" xmlns="" w="9525">
+                <a14:hiddenLine xmlns="" xmlns:a14="http://schemas.microsoft.com/office/drawing/2010/main" w="9525">
                   <a:solidFill>
                     <a:srgbClr val="000000"/>
                   </a:solidFill>
@@ -2214,7 +2221,7 @@
             </a:ln>
             <a:extLst>
               <a:ext uri="{91240B29-F687-4f45-9708-019B960494DF}">
-                <a14:hiddenLine xmlns:a14="http://schemas.microsoft.com/office/drawing/2010/main" xmlns="" w="9525">
+                <a14:hiddenLine xmlns="" xmlns:a14="http://schemas.microsoft.com/office/drawing/2010/main" w="9525">
                   <a:solidFill>
                     <a:srgbClr val="000000"/>
                   </a:solidFill>
@@ -2304,7 +2311,7 @@
             </a:ln>
             <a:extLst>
               <a:ext uri="{91240B29-F687-4f45-9708-019B960494DF}">
-                <a14:hiddenLine xmlns:a14="http://schemas.microsoft.com/office/drawing/2010/main" xmlns="" w="9525">
+                <a14:hiddenLine xmlns="" xmlns:a14="http://schemas.microsoft.com/office/drawing/2010/main" w="9525">
                   <a:solidFill>
                     <a:srgbClr val="000000"/>
                   </a:solidFill>
@@ -2338,7 +2345,7 @@
             </a:ln>
             <a:extLst>
               <a:ext uri="{91240B29-F687-4f45-9708-019B960494DF}">
-                <a14:hiddenLine xmlns:a14="http://schemas.microsoft.com/office/drawing/2010/main" xmlns="" w="9525">
+                <a14:hiddenLine xmlns="" xmlns:a14="http://schemas.microsoft.com/office/drawing/2010/main" w="9525">
                   <a:solidFill>
                     <a:srgbClr val="000000"/>
                   </a:solidFill>
@@ -2428,7 +2435,7 @@
             </a:ln>
             <a:extLst>
               <a:ext uri="{91240B29-F687-4f45-9708-019B960494DF}">
-                <a14:hiddenLine xmlns:a14="http://schemas.microsoft.com/office/drawing/2010/main" xmlns="" w="9525">
+                <a14:hiddenLine xmlns="" xmlns:a14="http://schemas.microsoft.com/office/drawing/2010/main" w="9525">
                   <a:solidFill>
                     <a:srgbClr val="000000"/>
                   </a:solidFill>
@@ -2490,7 +2497,7 @@
             </a:ln>
             <a:extLst>
               <a:ext uri="{91240B29-F687-4f45-9708-019B960494DF}">
-                <a14:hiddenLine xmlns:a14="http://schemas.microsoft.com/office/drawing/2010/main" xmlns="" w="9525">
+                <a14:hiddenLine xmlns="" xmlns:a14="http://schemas.microsoft.com/office/drawing/2010/main" w="9525">
                   <a:solidFill>
                     <a:srgbClr val="000000"/>
                   </a:solidFill>
@@ -2552,7 +2559,7 @@
             </a:ln>
             <a:extLst>
               <a:ext uri="{91240B29-F687-4f45-9708-019B960494DF}">
-                <a14:hiddenLine xmlns:a14="http://schemas.microsoft.com/office/drawing/2010/main" xmlns="" w="9525">
+                <a14:hiddenLine xmlns="" xmlns:a14="http://schemas.microsoft.com/office/drawing/2010/main" w="9525">
                   <a:solidFill>
                     <a:srgbClr val="000000"/>
                   </a:solidFill>
@@ -2642,7 +2649,7 @@
             </a:ln>
             <a:extLst>
               <a:ext uri="{91240B29-F687-4f45-9708-019B960494DF}">
-                <a14:hiddenLine xmlns:a14="http://schemas.microsoft.com/office/drawing/2010/main" xmlns="" w="9525">
+                <a14:hiddenLine xmlns="" xmlns:a14="http://schemas.microsoft.com/office/drawing/2010/main" w="9525">
                   <a:solidFill>
                     <a:srgbClr val="000000"/>
                   </a:solidFill>
@@ -2710,7 +2717,7 @@
             </a:ln>
             <a:extLst>
               <a:ext uri="{91240B29-F687-4f45-9708-019B960494DF}">
-                <a14:hiddenLine xmlns:a14="http://schemas.microsoft.com/office/drawing/2010/main" xmlns="" w="9525">
+                <a14:hiddenLine xmlns="" xmlns:a14="http://schemas.microsoft.com/office/drawing/2010/main" w="9525">
                   <a:solidFill>
                     <a:srgbClr val="000000"/>
                   </a:solidFill>
@@ -2772,7 +2779,7 @@
             </a:ln>
             <a:extLst>
               <a:ext uri="{91240B29-F687-4f45-9708-019B960494DF}">
-                <a14:hiddenLine xmlns:a14="http://schemas.microsoft.com/office/drawing/2010/main" xmlns="" w="9525">
+                <a14:hiddenLine xmlns="" xmlns:a14="http://schemas.microsoft.com/office/drawing/2010/main" w="9525">
                   <a:solidFill>
                     <a:srgbClr val="000000"/>
                   </a:solidFill>
@@ -2862,7 +2869,7 @@
             </a:ln>
             <a:extLst>
               <a:ext uri="{91240B29-F687-4f45-9708-019B960494DF}">
-                <a14:hiddenLine xmlns:a14="http://schemas.microsoft.com/office/drawing/2010/main" xmlns="" w="9525">
+                <a14:hiddenLine xmlns="" xmlns:a14="http://schemas.microsoft.com/office/drawing/2010/main" w="9525">
                   <a:solidFill>
                     <a:srgbClr val="000000"/>
                   </a:solidFill>
@@ -2924,7 +2931,7 @@
             </a:ln>
             <a:extLst>
               <a:ext uri="{91240B29-F687-4f45-9708-019B960494DF}">
-                <a14:hiddenLine xmlns:a14="http://schemas.microsoft.com/office/drawing/2010/main" xmlns="" w="9525">
+                <a14:hiddenLine xmlns="" xmlns:a14="http://schemas.microsoft.com/office/drawing/2010/main" w="9525">
                   <a:solidFill>
                     <a:srgbClr val="000000"/>
                   </a:solidFill>
@@ -3014,7 +3021,7 @@
             </a:ln>
             <a:extLst>
               <a:ext uri="{91240B29-F687-4f45-9708-019B960494DF}">
-                <a14:hiddenLine xmlns:a14="http://schemas.microsoft.com/office/drawing/2010/main" xmlns="" w="9525">
+                <a14:hiddenLine xmlns="" xmlns:a14="http://schemas.microsoft.com/office/drawing/2010/main" w="9525">
                   <a:solidFill>
                     <a:srgbClr val="000000"/>
                   </a:solidFill>
@@ -3076,7 +3083,7 @@
             </a:ln>
             <a:extLst>
               <a:ext uri="{91240B29-F687-4f45-9708-019B960494DF}">
-                <a14:hiddenLine xmlns:a14="http://schemas.microsoft.com/office/drawing/2010/main" xmlns="" w="9525">
+                <a14:hiddenLine xmlns="" xmlns:a14="http://schemas.microsoft.com/office/drawing/2010/main" w="9525">
                   <a:solidFill>
                     <a:srgbClr val="000000"/>
                   </a:solidFill>
@@ -3166,7 +3173,7 @@
             </a:ln>
             <a:extLst>
               <a:ext uri="{91240B29-F687-4f45-9708-019B960494DF}">
-                <a14:hiddenLine xmlns:a14="http://schemas.microsoft.com/office/drawing/2010/main" xmlns="" w="9525">
+                <a14:hiddenLine xmlns="" xmlns:a14="http://schemas.microsoft.com/office/drawing/2010/main" w="9525">
                   <a:solidFill>
                     <a:srgbClr val="000000"/>
                   </a:solidFill>
@@ -3200,7 +3207,7 @@
             </a:ln>
             <a:extLst>
               <a:ext uri="{91240B29-F687-4f45-9708-019B960494DF}">
-                <a14:hiddenLine xmlns:a14="http://schemas.microsoft.com/office/drawing/2010/main" xmlns="" w="9525">
+                <a14:hiddenLine xmlns="" xmlns:a14="http://schemas.microsoft.com/office/drawing/2010/main" w="9525">
                   <a:solidFill>
                     <a:srgbClr val="000000"/>
                   </a:solidFill>
@@ -3265,7 +3272,7 @@
             </a:ln>
             <a:extLst>
               <a:ext uri="{91240B29-F687-4f45-9708-019B960494DF}">
-                <a14:hiddenLine xmlns:a14="http://schemas.microsoft.com/office/drawing/2010/main" xmlns="" w="9525">
+                <a14:hiddenLine xmlns="" xmlns:a14="http://schemas.microsoft.com/office/drawing/2010/main" w="9525">
                   <a:solidFill>
                     <a:srgbClr val="000000"/>
                   </a:solidFill>
@@ -3355,7 +3362,7 @@
             </a:ln>
             <a:extLst>
               <a:ext uri="{91240B29-F687-4f45-9708-019B960494DF}">
-                <a14:hiddenLine xmlns:a14="http://schemas.microsoft.com/office/drawing/2010/main" xmlns="" w="9525">
+                <a14:hiddenLine xmlns="" xmlns:a14="http://schemas.microsoft.com/office/drawing/2010/main" w="9525">
                   <a:solidFill>
                     <a:srgbClr val="000000"/>
                   </a:solidFill>
@@ -3417,7 +3424,7 @@
             </a:ln>
             <a:extLst>
               <a:ext uri="{91240B29-F687-4f45-9708-019B960494DF}">
-                <a14:hiddenLine xmlns:a14="http://schemas.microsoft.com/office/drawing/2010/main" xmlns="" w="9525">
+                <a14:hiddenLine xmlns="" xmlns:a14="http://schemas.microsoft.com/office/drawing/2010/main" w="9525">
                   <a:solidFill>
                     <a:srgbClr val="000000"/>
                   </a:solidFill>
@@ -3507,7 +3514,7 @@
             </a:ln>
             <a:extLst>
               <a:ext uri="{91240B29-F687-4f45-9708-019B960494DF}">
-                <a14:hiddenLine xmlns:a14="http://schemas.microsoft.com/office/drawing/2010/main" xmlns="" w="9525">
+                <a14:hiddenLine xmlns="" xmlns:a14="http://schemas.microsoft.com/office/drawing/2010/main" w="9525">
                   <a:solidFill>
                     <a:srgbClr val="000000"/>
                   </a:solidFill>
@@ -3597,7 +3604,7 @@
             </a:ln>
             <a:extLst>
               <a:ext uri="{91240B29-F687-4f45-9708-019B960494DF}">
-                <a14:hiddenLine xmlns:a14="http://schemas.microsoft.com/office/drawing/2010/main" xmlns="" w="9525">
+                <a14:hiddenLine xmlns="" xmlns:a14="http://schemas.microsoft.com/office/drawing/2010/main" w="9525">
                   <a:solidFill>
                     <a:srgbClr val="000000"/>
                   </a:solidFill>
@@ -3662,7 +3669,7 @@
             </a:ln>
             <a:extLst>
               <a:ext uri="{91240B29-F687-4f45-9708-019B960494DF}">
-                <a14:hiddenLine xmlns:a14="http://schemas.microsoft.com/office/drawing/2010/main" xmlns="" w="9525">
+                <a14:hiddenLine xmlns="" xmlns:a14="http://schemas.microsoft.com/office/drawing/2010/main" w="9525">
                   <a:solidFill>
                     <a:srgbClr val="000000"/>
                   </a:solidFill>
@@ -3724,7 +3731,7 @@
             </a:ln>
             <a:extLst>
               <a:ext uri="{91240B29-F687-4f45-9708-019B960494DF}">
-                <a14:hiddenLine xmlns:a14="http://schemas.microsoft.com/office/drawing/2010/main" xmlns="" w="9525">
+                <a14:hiddenLine xmlns="" xmlns:a14="http://schemas.microsoft.com/office/drawing/2010/main" w="9525">
                   <a:solidFill>
                     <a:srgbClr val="000000"/>
                   </a:solidFill>
@@ -3814,7 +3821,7 @@
             </a:ln>
             <a:extLst>
               <a:ext uri="{91240B29-F687-4f45-9708-019B960494DF}">
-                <a14:hiddenLine xmlns:a14="http://schemas.microsoft.com/office/drawing/2010/main" xmlns="" w="9525">
+                <a14:hiddenLine xmlns="" xmlns:a14="http://schemas.microsoft.com/office/drawing/2010/main" w="9525">
                   <a:solidFill>
                     <a:srgbClr val="000000"/>
                   </a:solidFill>
@@ -3904,7 +3911,7 @@
             </a:ln>
             <a:extLst>
               <a:ext uri="{91240B29-F687-4f45-9708-019B960494DF}">
-                <a14:hiddenLine xmlns:a14="http://schemas.microsoft.com/office/drawing/2010/main" xmlns="" w="9525">
+                <a14:hiddenLine xmlns="" xmlns:a14="http://schemas.microsoft.com/office/drawing/2010/main" w="9525">
                   <a:solidFill>
                     <a:srgbClr val="000000"/>
                   </a:solidFill>
@@ -3966,7 +3973,7 @@
             </a:ln>
             <a:extLst>
               <a:ext uri="{91240B29-F687-4f45-9708-019B960494DF}">
-                <a14:hiddenLine xmlns:a14="http://schemas.microsoft.com/office/drawing/2010/main" xmlns="" w="9525">
+                <a14:hiddenLine xmlns="" xmlns:a14="http://schemas.microsoft.com/office/drawing/2010/main" w="9525">
                   <a:solidFill>
                     <a:srgbClr val="000000"/>
                   </a:solidFill>
@@ -4086,7 +4093,7 @@
             </a:ln>
             <a:extLst>
               <a:ext uri="{91240B29-F687-4f45-9708-019B960494DF}">
-                <a14:hiddenLine xmlns:a14="http://schemas.microsoft.com/office/drawing/2010/main" xmlns="" w="9525">
+                <a14:hiddenLine xmlns="" xmlns:a14="http://schemas.microsoft.com/office/drawing/2010/main" w="9525">
                   <a:solidFill>
                     <a:srgbClr val="000000"/>
                   </a:solidFill>
@@ -4154,7 +4161,7 @@
             </a:ln>
             <a:extLst>
               <a:ext uri="{91240B29-F687-4f45-9708-019B960494DF}">
-                <a14:hiddenLine xmlns:a14="http://schemas.microsoft.com/office/drawing/2010/main" xmlns="" w="9525">
+                <a14:hiddenLine xmlns="" xmlns:a14="http://schemas.microsoft.com/office/drawing/2010/main" w="9525">
                   <a:solidFill>
                     <a:srgbClr val="000000"/>
                   </a:solidFill>
@@ -4244,7 +4251,7 @@
             </a:ln>
             <a:extLst>
               <a:ext uri="{91240B29-F687-4f45-9708-019B960494DF}">
-                <a14:hiddenLine xmlns:a14="http://schemas.microsoft.com/office/drawing/2010/main" xmlns="" w="9525">
+                <a14:hiddenLine xmlns="" xmlns:a14="http://schemas.microsoft.com/office/drawing/2010/main" w="9525">
                   <a:solidFill>
                     <a:srgbClr val="000000"/>
                   </a:solidFill>
@@ -4384,7 +4391,7 @@
           <a:p>
             <a:fld id="{D2925426-A287-DF40-8AC9-26675AC6104F}" type="datetimeFigureOut">
               <a:rPr lang="de-AT" smtClean="0"/>
-              <a:t>11.01.20</a:t>
+              <a:t>19.01.20</a:t>
             </a:fld>
             <a:endParaRPr lang="de-AT"/>
           </a:p>
@@ -4656,7 +4663,7 @@
           <a:p>
             <a:fld id="{D2925426-A287-DF40-8AC9-26675AC6104F}" type="datetimeFigureOut">
               <a:rPr lang="de-AT" smtClean="0"/>
-              <a:t>11.01.20</a:t>
+              <a:t>19.01.20</a:t>
             </a:fld>
             <a:endParaRPr lang="de-AT"/>
           </a:p>
@@ -4857,7 +4864,7 @@
           <a:p>
             <a:fld id="{D2925426-A287-DF40-8AC9-26675AC6104F}" type="datetimeFigureOut">
               <a:rPr lang="de-AT" smtClean="0"/>
-              <a:t>11.01.20</a:t>
+              <a:t>19.01.20</a:t>
             </a:fld>
             <a:endParaRPr lang="de-AT"/>
           </a:p>
@@ -5130,7 +5137,7 @@
           <a:p>
             <a:fld id="{D2925426-A287-DF40-8AC9-26675AC6104F}" type="datetimeFigureOut">
               <a:rPr lang="de-AT" smtClean="0"/>
-              <a:t>11.01.20</a:t>
+              <a:t>19.01.20</a:t>
             </a:fld>
             <a:endParaRPr lang="de-AT"/>
           </a:p>
@@ -5569,7 +5576,7 @@
           <a:p>
             <a:fld id="{D2925426-A287-DF40-8AC9-26675AC6104F}" type="datetimeFigureOut">
               <a:rPr lang="de-AT" smtClean="0"/>
-              <a:t>11.01.20</a:t>
+              <a:t>19.01.20</a:t>
             </a:fld>
             <a:endParaRPr lang="de-AT"/>
           </a:p>
@@ -6145,7 +6152,7 @@
           <a:p>
             <a:fld id="{D2925426-A287-DF40-8AC9-26675AC6104F}" type="datetimeFigureOut">
               <a:rPr lang="de-AT" smtClean="0"/>
-              <a:t>11.01.20</a:t>
+              <a:t>19.01.20</a:t>
             </a:fld>
             <a:endParaRPr lang="de-AT"/>
           </a:p>
@@ -6895,7 +6902,7 @@
           <a:p>
             <a:fld id="{D2925426-A287-DF40-8AC9-26675AC6104F}" type="datetimeFigureOut">
               <a:rPr lang="de-AT" smtClean="0"/>
-              <a:t>11.01.20</a:t>
+              <a:t>19.01.20</a:t>
             </a:fld>
             <a:endParaRPr lang="de-AT"/>
           </a:p>
@@ -7041,7 +7048,7 @@
           <a:p>
             <a:fld id="{D2925426-A287-DF40-8AC9-26675AC6104F}" type="datetimeFigureOut">
               <a:rPr lang="de-AT" smtClean="0"/>
-              <a:t>11.01.20</a:t>
+              <a:t>19.01.20</a:t>
             </a:fld>
             <a:endParaRPr lang="de-AT"/>
           </a:p>
@@ -7197,7 +7204,7 @@
           <a:p>
             <a:fld id="{D2925426-A287-DF40-8AC9-26675AC6104F}" type="datetimeFigureOut">
               <a:rPr lang="de-AT" smtClean="0"/>
-              <a:t>11.01.20</a:t>
+              <a:t>19.01.20</a:t>
             </a:fld>
             <a:endParaRPr lang="de-AT"/>
           </a:p>
@@ -7343,7 +7350,7 @@
           <a:p>
             <a:fld id="{D2925426-A287-DF40-8AC9-26675AC6104F}" type="datetimeFigureOut">
               <a:rPr lang="de-AT" smtClean="0"/>
-              <a:t>11.01.20</a:t>
+              <a:t>19.01.20</a:t>
             </a:fld>
             <a:endParaRPr lang="de-AT"/>
           </a:p>
@@ -7598,7 +7605,7 @@
           <a:p>
             <a:fld id="{D2925426-A287-DF40-8AC9-26675AC6104F}" type="datetimeFigureOut">
               <a:rPr lang="de-AT" smtClean="0"/>
-              <a:t>11.01.20</a:t>
+              <a:t>19.01.20</a:t>
             </a:fld>
             <a:endParaRPr lang="de-AT"/>
           </a:p>
@@ -7782,7 +7789,7 @@
           <a:p>
             <a:fld id="{D2925426-A287-DF40-8AC9-26675AC6104F}" type="datetimeFigureOut">
               <a:rPr lang="de-AT" smtClean="0"/>
-              <a:t>11.01.20</a:t>
+              <a:t>19.01.20</a:t>
             </a:fld>
             <a:endParaRPr lang="de-AT"/>
           </a:p>
@@ -8125,7 +8132,7 @@
           <a:p>
             <a:fld id="{D2925426-A287-DF40-8AC9-26675AC6104F}" type="datetimeFigureOut">
               <a:rPr lang="de-AT" smtClean="0"/>
-              <a:t>11.01.20</a:t>
+              <a:t>19.01.20</a:t>
             </a:fld>
             <a:endParaRPr lang="de-AT"/>
           </a:p>
@@ -8243,7 +8250,7 @@
           <a:p>
             <a:fld id="{D2925426-A287-DF40-8AC9-26675AC6104F}" type="datetimeFigureOut">
               <a:rPr lang="de-AT" smtClean="0"/>
-              <a:t>11.01.20</a:t>
+              <a:t>19.01.20</a:t>
             </a:fld>
             <a:endParaRPr lang="de-AT"/>
           </a:p>
@@ -8338,7 +8345,7 @@
           <a:p>
             <a:fld id="{D2925426-A287-DF40-8AC9-26675AC6104F}" type="datetimeFigureOut">
               <a:rPr lang="de-AT" smtClean="0"/>
-              <a:t>11.01.20</a:t>
+              <a:t>19.01.20</a:t>
             </a:fld>
             <a:endParaRPr lang="de-AT"/>
           </a:p>
@@ -8568,7 +8575,7 @@
           <a:p>
             <a:fld id="{D2925426-A287-DF40-8AC9-26675AC6104F}" type="datetimeFigureOut">
               <a:rPr lang="de-AT" smtClean="0"/>
-              <a:t>11.01.20</a:t>
+              <a:t>19.01.20</a:t>
             </a:fld>
             <a:endParaRPr lang="de-AT"/>
           </a:p>
@@ -8853,7 +8860,7 @@
           <a:p>
             <a:fld id="{D2925426-A287-DF40-8AC9-26675AC6104F}" type="datetimeFigureOut">
               <a:rPr lang="de-AT" smtClean="0"/>
-              <a:t>11.01.20</a:t>
+              <a:t>19.01.20</a:t>
             </a:fld>
             <a:endParaRPr lang="de-AT"/>
           </a:p>
@@ -8969,7 +8976,7 @@
           <a:noFill/>
           <a:extLst>
             <a:ext uri="{909E8E84-426E-40dd-AFC4-6F175D3DCCD1}">
-              <a14:hiddenFill xmlns:a14="http://schemas.microsoft.com/office/drawing/2010/main" xmlns="">
+              <a14:hiddenFill xmlns="" xmlns:a14="http://schemas.microsoft.com/office/drawing/2010/main">
                 <a:solidFill>
                   <a:srgbClr val="FFFFFF"/>
                 </a:solidFill>
@@ -9043,7 +9050,7 @@
               </a:ln>
               <a:extLst>
                 <a:ext uri="{91240B29-F687-4f45-9708-019B960494DF}">
-                  <a14:hiddenLine xmlns:a14="http://schemas.microsoft.com/office/drawing/2010/main" xmlns="" w="9525">
+                  <a14:hiddenLine xmlns="" xmlns:a14="http://schemas.microsoft.com/office/drawing/2010/main" w="9525">
                     <a:solidFill>
                       <a:srgbClr val="000000"/>
                     </a:solidFill>
@@ -9133,7 +9140,7 @@
               </a:ln>
               <a:extLst>
                 <a:ext uri="{91240B29-F687-4f45-9708-019B960494DF}">
-                  <a14:hiddenLine xmlns:a14="http://schemas.microsoft.com/office/drawing/2010/main" xmlns="" w="9525">
+                  <a14:hiddenLine xmlns="" xmlns:a14="http://schemas.microsoft.com/office/drawing/2010/main" w="9525">
                     <a:solidFill>
                       <a:srgbClr val="000000"/>
                     </a:solidFill>
@@ -9223,7 +9230,7 @@
               </a:ln>
               <a:extLst>
                 <a:ext uri="{91240B29-F687-4f45-9708-019B960494DF}">
-                  <a14:hiddenLine xmlns:a14="http://schemas.microsoft.com/office/drawing/2010/main" xmlns="" w="9525">
+                  <a14:hiddenLine xmlns="" xmlns:a14="http://schemas.microsoft.com/office/drawing/2010/main" w="9525">
                     <a:solidFill>
                       <a:srgbClr val="000000"/>
                     </a:solidFill>
@@ -9285,7 +9292,7 @@
               </a:ln>
               <a:extLst>
                 <a:ext uri="{91240B29-F687-4f45-9708-019B960494DF}">
-                  <a14:hiddenLine xmlns:a14="http://schemas.microsoft.com/office/drawing/2010/main" xmlns="" w="9525">
+                  <a14:hiddenLine xmlns="" xmlns:a14="http://schemas.microsoft.com/office/drawing/2010/main" w="9525">
                     <a:solidFill>
                       <a:srgbClr val="000000"/>
                     </a:solidFill>
@@ -9375,7 +9382,7 @@
               </a:ln>
               <a:extLst>
                 <a:ext uri="{91240B29-F687-4f45-9708-019B960494DF}">
-                  <a14:hiddenLine xmlns:a14="http://schemas.microsoft.com/office/drawing/2010/main" xmlns="" w="9525">
+                  <a14:hiddenLine xmlns="" xmlns:a14="http://schemas.microsoft.com/office/drawing/2010/main" w="9525">
                     <a:solidFill>
                       <a:srgbClr val="000000"/>
                     </a:solidFill>
@@ -9437,7 +9444,7 @@
               </a:ln>
               <a:extLst>
                 <a:ext uri="{91240B29-F687-4f45-9708-019B960494DF}">
-                  <a14:hiddenLine xmlns:a14="http://schemas.microsoft.com/office/drawing/2010/main" xmlns="" w="9525">
+                  <a14:hiddenLine xmlns="" xmlns:a14="http://schemas.microsoft.com/office/drawing/2010/main" w="9525">
                     <a:solidFill>
                       <a:srgbClr val="000000"/>
                     </a:solidFill>
@@ -9499,7 +9506,7 @@
               </a:ln>
               <a:extLst>
                 <a:ext uri="{91240B29-F687-4f45-9708-019B960494DF}">
-                  <a14:hiddenLine xmlns:a14="http://schemas.microsoft.com/office/drawing/2010/main" xmlns="" w="9525">
+                  <a14:hiddenLine xmlns="" xmlns:a14="http://schemas.microsoft.com/office/drawing/2010/main" w="9525">
                     <a:solidFill>
                       <a:srgbClr val="000000"/>
                     </a:solidFill>
@@ -9589,7 +9596,7 @@
               </a:ln>
               <a:extLst>
                 <a:ext uri="{91240B29-F687-4f45-9708-019B960494DF}">
-                  <a14:hiddenLine xmlns:a14="http://schemas.microsoft.com/office/drawing/2010/main" xmlns="" w="9525">
+                  <a14:hiddenLine xmlns="" xmlns:a14="http://schemas.microsoft.com/office/drawing/2010/main" w="9525">
                     <a:solidFill>
                       <a:srgbClr val="000000"/>
                     </a:solidFill>
@@ -9679,7 +9686,7 @@
               </a:ln>
               <a:extLst>
                 <a:ext uri="{91240B29-F687-4f45-9708-019B960494DF}">
-                  <a14:hiddenLine xmlns:a14="http://schemas.microsoft.com/office/drawing/2010/main" xmlns="" w="9525">
+                  <a14:hiddenLine xmlns="" xmlns:a14="http://schemas.microsoft.com/office/drawing/2010/main" w="9525">
                     <a:solidFill>
                       <a:srgbClr val="000000"/>
                     </a:solidFill>
@@ -9741,7 +9748,7 @@
               </a:ln>
               <a:extLst>
                 <a:ext uri="{91240B29-F687-4f45-9708-019B960494DF}">
-                  <a14:hiddenLine xmlns:a14="http://schemas.microsoft.com/office/drawing/2010/main" xmlns="" w="9525">
+                  <a14:hiddenLine xmlns="" xmlns:a14="http://schemas.microsoft.com/office/drawing/2010/main" w="9525">
                     <a:solidFill>
                       <a:srgbClr val="000000"/>
                     </a:solidFill>
@@ -9851,7 +9858,7 @@
               </a:ln>
               <a:extLst>
                 <a:ext uri="{91240B29-F687-4f45-9708-019B960494DF}">
-                  <a14:hiddenLine xmlns:a14="http://schemas.microsoft.com/office/drawing/2010/main" xmlns="" w="9525">
+                  <a14:hiddenLine xmlns="" xmlns:a14="http://schemas.microsoft.com/office/drawing/2010/main" w="9525">
                     <a:solidFill>
                       <a:srgbClr val="000000"/>
                     </a:solidFill>
@@ -9935,7 +9942,7 @@
               </a:ln>
               <a:extLst>
                 <a:ext uri="{91240B29-F687-4f45-9708-019B960494DF}">
-                  <a14:hiddenLine xmlns:a14="http://schemas.microsoft.com/office/drawing/2010/main" xmlns="" w="9525">
+                  <a14:hiddenLine xmlns="" xmlns:a14="http://schemas.microsoft.com/office/drawing/2010/main" w="9525">
                     <a:solidFill>
                       <a:srgbClr val="000000"/>
                     </a:solidFill>
@@ -9997,7 +10004,7 @@
               </a:ln>
               <a:extLst>
                 <a:ext uri="{91240B29-F687-4f45-9708-019B960494DF}">
-                  <a14:hiddenLine xmlns:a14="http://schemas.microsoft.com/office/drawing/2010/main" xmlns="" w="9525">
+                  <a14:hiddenLine xmlns="" xmlns:a14="http://schemas.microsoft.com/office/drawing/2010/main" w="9525">
                     <a:solidFill>
                       <a:srgbClr val="000000"/>
                     </a:solidFill>
@@ -10059,7 +10066,7 @@
               </a:ln>
               <a:extLst>
                 <a:ext uri="{91240B29-F687-4f45-9708-019B960494DF}">
-                  <a14:hiddenLine xmlns:a14="http://schemas.microsoft.com/office/drawing/2010/main" xmlns="" w="9525">
+                  <a14:hiddenLine xmlns="" xmlns:a14="http://schemas.microsoft.com/office/drawing/2010/main" w="9525">
                     <a:solidFill>
                       <a:srgbClr val="000000"/>
                     </a:solidFill>
@@ -10149,7 +10156,7 @@
               </a:ln>
               <a:extLst>
                 <a:ext uri="{91240B29-F687-4f45-9708-019B960494DF}">
-                  <a14:hiddenLine xmlns:a14="http://schemas.microsoft.com/office/drawing/2010/main" xmlns="" w="9525">
+                  <a14:hiddenLine xmlns="" xmlns:a14="http://schemas.microsoft.com/office/drawing/2010/main" w="9525">
                     <a:solidFill>
                       <a:srgbClr val="000000"/>
                     </a:solidFill>
@@ -10183,7 +10190,7 @@
               </a:ln>
               <a:extLst>
                 <a:ext uri="{91240B29-F687-4f45-9708-019B960494DF}">
-                  <a14:hiddenLine xmlns:a14="http://schemas.microsoft.com/office/drawing/2010/main" xmlns="" w="9525">
+                  <a14:hiddenLine xmlns="" xmlns:a14="http://schemas.microsoft.com/office/drawing/2010/main" w="9525">
                     <a:solidFill>
                       <a:srgbClr val="000000"/>
                     </a:solidFill>
@@ -10248,7 +10255,7 @@
               </a:ln>
               <a:extLst>
                 <a:ext uri="{91240B29-F687-4f45-9708-019B960494DF}">
-                  <a14:hiddenLine xmlns:a14="http://schemas.microsoft.com/office/drawing/2010/main" xmlns="" w="9525">
+                  <a14:hiddenLine xmlns="" xmlns:a14="http://schemas.microsoft.com/office/drawing/2010/main" w="9525">
                     <a:solidFill>
                       <a:srgbClr val="000000"/>
                     </a:solidFill>
@@ -10338,7 +10345,7 @@
               </a:ln>
               <a:extLst>
                 <a:ext uri="{91240B29-F687-4f45-9708-019B960494DF}">
-                  <a14:hiddenLine xmlns:a14="http://schemas.microsoft.com/office/drawing/2010/main" xmlns="" w="9525">
+                  <a14:hiddenLine xmlns="" xmlns:a14="http://schemas.microsoft.com/office/drawing/2010/main" w="9525">
                     <a:solidFill>
                       <a:srgbClr val="000000"/>
                     </a:solidFill>
@@ -10400,7 +10407,7 @@
               </a:ln>
               <a:extLst>
                 <a:ext uri="{91240B29-F687-4f45-9708-019B960494DF}">
-                  <a14:hiddenLine xmlns:a14="http://schemas.microsoft.com/office/drawing/2010/main" xmlns="" w="9525">
+                  <a14:hiddenLine xmlns="" xmlns:a14="http://schemas.microsoft.com/office/drawing/2010/main" w="9525">
                     <a:solidFill>
                       <a:srgbClr val="000000"/>
                     </a:solidFill>
@@ -10490,7 +10497,7 @@
               </a:ln>
               <a:extLst>
                 <a:ext uri="{91240B29-F687-4f45-9708-019B960494DF}">
-                  <a14:hiddenLine xmlns:a14="http://schemas.microsoft.com/office/drawing/2010/main" xmlns="" w="9525">
+                  <a14:hiddenLine xmlns="" xmlns:a14="http://schemas.microsoft.com/office/drawing/2010/main" w="9525">
                     <a:solidFill>
                       <a:srgbClr val="000000"/>
                     </a:solidFill>
@@ -10555,7 +10562,7 @@
               </a:ln>
               <a:extLst>
                 <a:ext uri="{91240B29-F687-4f45-9708-019B960494DF}">
-                  <a14:hiddenLine xmlns:a14="http://schemas.microsoft.com/office/drawing/2010/main" xmlns="" w="9525">
+                  <a14:hiddenLine xmlns="" xmlns:a14="http://schemas.microsoft.com/office/drawing/2010/main" w="9525">
                     <a:solidFill>
                       <a:srgbClr val="000000"/>
                     </a:solidFill>
@@ -10617,7 +10624,7 @@
               </a:ln>
               <a:extLst>
                 <a:ext uri="{91240B29-F687-4f45-9708-019B960494DF}">
-                  <a14:hiddenLine xmlns:a14="http://schemas.microsoft.com/office/drawing/2010/main" xmlns="" w="9525">
+                  <a14:hiddenLine xmlns="" xmlns:a14="http://schemas.microsoft.com/office/drawing/2010/main" w="9525">
                     <a:solidFill>
                       <a:srgbClr val="000000"/>
                     </a:solidFill>
@@ -10707,7 +10714,7 @@
               </a:ln>
               <a:extLst>
                 <a:ext uri="{91240B29-F687-4f45-9708-019B960494DF}">
-                  <a14:hiddenLine xmlns:a14="http://schemas.microsoft.com/office/drawing/2010/main" xmlns="" w="9525">
+                  <a14:hiddenLine xmlns="" xmlns:a14="http://schemas.microsoft.com/office/drawing/2010/main" w="9525">
                     <a:solidFill>
                       <a:srgbClr val="000000"/>
                     </a:solidFill>
@@ -10797,7 +10804,7 @@
               </a:ln>
               <a:extLst>
                 <a:ext uri="{91240B29-F687-4f45-9708-019B960494DF}">
-                  <a14:hiddenLine xmlns:a14="http://schemas.microsoft.com/office/drawing/2010/main" xmlns="" w="9525">
+                  <a14:hiddenLine xmlns="" xmlns:a14="http://schemas.microsoft.com/office/drawing/2010/main" w="9525">
                     <a:solidFill>
                       <a:srgbClr val="000000"/>
                     </a:solidFill>
@@ -10862,7 +10869,7 @@
               </a:ln>
               <a:extLst>
                 <a:ext uri="{91240B29-F687-4f45-9708-019B960494DF}">
-                  <a14:hiddenLine xmlns:a14="http://schemas.microsoft.com/office/drawing/2010/main" xmlns="" w="9525">
+                  <a14:hiddenLine xmlns="" xmlns:a14="http://schemas.microsoft.com/office/drawing/2010/main" w="9525">
                     <a:solidFill>
                       <a:srgbClr val="000000"/>
                     </a:solidFill>
@@ -10982,7 +10989,7 @@
               </a:ln>
               <a:extLst>
                 <a:ext uri="{91240B29-F687-4f45-9708-019B960494DF}">
-                  <a14:hiddenLine xmlns:a14="http://schemas.microsoft.com/office/drawing/2010/main" xmlns="" w="9525">
+                  <a14:hiddenLine xmlns="" xmlns:a14="http://schemas.microsoft.com/office/drawing/2010/main" w="9525">
                     <a:solidFill>
                       <a:srgbClr val="000000"/>
                     </a:solidFill>
@@ -11080,7 +11087,7 @@
               </a:ln>
               <a:extLst>
                 <a:ext uri="{91240B29-F687-4f45-9708-019B960494DF}">
-                  <a14:hiddenLine xmlns:a14="http://schemas.microsoft.com/office/drawing/2010/main" xmlns="" w="9525">
+                  <a14:hiddenLine xmlns="" xmlns:a14="http://schemas.microsoft.com/office/drawing/2010/main" w="9525">
                     <a:solidFill>
                       <a:srgbClr val="000000"/>
                     </a:solidFill>
@@ -11195,7 +11202,7 @@
               </a:ln>
               <a:extLst>
                 <a:ext uri="{91240B29-F687-4f45-9708-019B960494DF}">
-                  <a14:hiddenLine xmlns:a14="http://schemas.microsoft.com/office/drawing/2010/main" xmlns="" w="9525">
+                  <a14:hiddenLine xmlns="" xmlns:a14="http://schemas.microsoft.com/office/drawing/2010/main" w="9525">
                     <a:solidFill>
                       <a:srgbClr val="000000"/>
                     </a:solidFill>
@@ -11285,7 +11292,7 @@
               </a:ln>
               <a:extLst>
                 <a:ext uri="{91240B29-F687-4f45-9708-019B960494DF}">
-                  <a14:hiddenLine xmlns:a14="http://schemas.microsoft.com/office/drawing/2010/main" xmlns="" w="9525">
+                  <a14:hiddenLine xmlns="" xmlns:a14="http://schemas.microsoft.com/office/drawing/2010/main" w="9525">
                     <a:solidFill>
                       <a:srgbClr val="000000"/>
                     </a:solidFill>
@@ -11350,7 +11357,7 @@
               </a:ln>
               <a:extLst>
                 <a:ext uri="{91240B29-F687-4f45-9708-019B960494DF}">
-                  <a14:hiddenLine xmlns:a14="http://schemas.microsoft.com/office/drawing/2010/main" xmlns="" w="9525">
+                  <a14:hiddenLine xmlns="" xmlns:a14="http://schemas.microsoft.com/office/drawing/2010/main" w="9525">
                     <a:solidFill>
                       <a:srgbClr val="000000"/>
                     </a:solidFill>
@@ -11440,7 +11447,7 @@
               </a:ln>
               <a:extLst>
                 <a:ext uri="{91240B29-F687-4f45-9708-019B960494DF}">
-                  <a14:hiddenLine xmlns:a14="http://schemas.microsoft.com/office/drawing/2010/main" xmlns="" w="9525">
+                  <a14:hiddenLine xmlns="" xmlns:a14="http://schemas.microsoft.com/office/drawing/2010/main" w="9525">
                     <a:solidFill>
                       <a:srgbClr val="000000"/>
                     </a:solidFill>
@@ -11508,7 +11515,7 @@
               </a:ln>
               <a:extLst>
                 <a:ext uri="{91240B29-F687-4f45-9708-019B960494DF}">
-                  <a14:hiddenLine xmlns:a14="http://schemas.microsoft.com/office/drawing/2010/main" xmlns="" w="9525">
+                  <a14:hiddenLine xmlns="" xmlns:a14="http://schemas.microsoft.com/office/drawing/2010/main" w="9525">
                     <a:solidFill>
                       <a:srgbClr val="000000"/>
                     </a:solidFill>
@@ -11598,7 +11605,7 @@
               </a:ln>
               <a:extLst>
                 <a:ext uri="{91240B29-F687-4f45-9708-019B960494DF}">
-                  <a14:hiddenLine xmlns:a14="http://schemas.microsoft.com/office/drawing/2010/main" xmlns="" w="9525">
+                  <a14:hiddenLine xmlns="" xmlns:a14="http://schemas.microsoft.com/office/drawing/2010/main" w="9525">
                     <a:solidFill>
                       <a:srgbClr val="000000"/>
                     </a:solidFill>
@@ -11666,7 +11673,7 @@
               </a:ln>
               <a:extLst>
                 <a:ext uri="{91240B29-F687-4f45-9708-019B960494DF}">
-                  <a14:hiddenLine xmlns:a14="http://schemas.microsoft.com/office/drawing/2010/main" xmlns="" w="9525">
+                  <a14:hiddenLine xmlns="" xmlns:a14="http://schemas.microsoft.com/office/drawing/2010/main" w="9525">
                     <a:solidFill>
                       <a:srgbClr val="000000"/>
                     </a:solidFill>
@@ -11756,7 +11763,7 @@
               </a:ln>
               <a:extLst>
                 <a:ext uri="{91240B29-F687-4f45-9708-019B960494DF}">
-                  <a14:hiddenLine xmlns:a14="http://schemas.microsoft.com/office/drawing/2010/main" xmlns="" w="9525">
+                  <a14:hiddenLine xmlns="" xmlns:a14="http://schemas.microsoft.com/office/drawing/2010/main" w="9525">
                     <a:solidFill>
                       <a:srgbClr val="000000"/>
                     </a:solidFill>
@@ -11790,7 +11797,7 @@
               </a:ln>
               <a:extLst>
                 <a:ext uri="{91240B29-F687-4f45-9708-019B960494DF}">
-                  <a14:hiddenLine xmlns:a14="http://schemas.microsoft.com/office/drawing/2010/main" xmlns="" w="9525">
+                  <a14:hiddenLine xmlns="" xmlns:a14="http://schemas.microsoft.com/office/drawing/2010/main" w="9525">
                     <a:solidFill>
                       <a:srgbClr val="000000"/>
                     </a:solidFill>
@@ -11906,7 +11913,7 @@
           <a:p>
             <a:fld id="{D2925426-A287-DF40-8AC9-26675AC6104F}" type="datetimeFigureOut">
               <a:rPr lang="de-AT" smtClean="0"/>
-              <a:t>11.01.20</a:t>
+              <a:t>19.01.20</a:t>
             </a:fld>
             <a:endParaRPr lang="de-AT"/>
           </a:p>
@@ -12479,7 +12486,9 @@
         </p:nvSpPr>
         <p:spPr/>
         <p:txBody>
-          <a:bodyPr/>
+          <a:bodyPr>
+            <a:normAutofit fontScale="92500" lnSpcReduction="10000"/>
+          </a:bodyPr>
           <a:lstStyle/>
           <a:p>
             <a:r>
@@ -12496,21 +12505,42 @@
           <a:p>
             <a:r>
               <a:rPr lang="de-AT" dirty="0"/>
-              <a:t>Herausforderungen</a:t>
+              <a:t>Module (LCD,RTC, </a:t>
+            </a:r>
+            <a:r>
+              <a:rPr lang="de-AT" dirty="0" err="1"/>
+              <a:t>Ultrasonicsensor</a:t>
+            </a:r>
+            <a:r>
+              <a:rPr lang="de-AT" dirty="0"/>
+              <a:t>, </a:t>
+            </a:r>
+            <a:r>
+              <a:rPr lang="de-AT" dirty="0" err="1"/>
+              <a:t>Buzzer</a:t>
+            </a:r>
+            <a:r>
+              <a:rPr lang="de-AT" dirty="0"/>
+              <a:t>, LEDs)</a:t>
             </a:r>
           </a:p>
           <a:p>
             <a:r>
               <a:rPr lang="de-AT" dirty="0"/>
-              <a:t>Schwierigkeiten </a:t>
+              <a:t>Kommunikation zwischen Master-Slave SPI</a:t>
             </a:r>
           </a:p>
           <a:p>
             <a:r>
-              <a:rPr lang="de-AT" dirty="0" err="1"/>
-              <a:t>Scrum</a:t>
-            </a:r>
-            <a:endParaRPr lang="de-AT" dirty="0"/>
+              <a:rPr lang="de-AT" dirty="0"/>
+              <a:t>Herausforderungen</a:t>
+            </a:r>
+          </a:p>
+          <a:p>
+            <a:r>
+              <a:rPr lang="de-AT" dirty="0"/>
+              <a:t>Schwierigkeiten </a:t>
+            </a:r>
           </a:p>
           <a:p>
             <a:r>
@@ -12527,6 +12557,492 @@
     <p:extLst>
       <p:ext uri="{BB962C8B-B14F-4D97-AF65-F5344CB8AC3E}">
         <p14:creationId xmlns:p14="http://schemas.microsoft.com/office/powerpoint/2010/main" val="1152202633"/>
+      </p:ext>
+    </p:extLst>
+  </p:cSld>
+  <p:clrMapOvr>
+    <a:masterClrMapping/>
+  </p:clrMapOvr>
+</p:sld>
+</file>
+
+<file path=ppt/slides/slide3.xml><?xml version="1.0" encoding="utf-8"?>
+<p:sld xmlns:a="http://schemas.openxmlformats.org/drawingml/2006/main" xmlns:r="http://schemas.openxmlformats.org/officeDocument/2006/relationships" xmlns:p="http://schemas.openxmlformats.org/presentationml/2006/main">
+  <p:cSld>
+    <p:spTree>
+      <p:nvGrpSpPr>
+        <p:cNvPr id="1" name=""/>
+        <p:cNvGrpSpPr/>
+        <p:nvPr/>
+      </p:nvGrpSpPr>
+      <p:grpSpPr>
+        <a:xfrm>
+          <a:off x="0" y="0"/>
+          <a:ext cx="0" cy="0"/>
+          <a:chOff x="0" y="0"/>
+          <a:chExt cx="0" cy="0"/>
+        </a:xfrm>
+      </p:grpSpPr>
+      <p:sp>
+        <p:nvSpPr>
+          <p:cNvPr id="2" name="Titel 1">
+            <a:extLst>
+              <a:ext uri="{FF2B5EF4-FFF2-40B4-BE49-F238E27FC236}">
+                <a16:creationId xmlns:a16="http://schemas.microsoft.com/office/drawing/2014/main" id="{203D01F9-8D7A-284F-BD7B-3CCA0A5C68C1}"/>
+              </a:ext>
+            </a:extLst>
+          </p:cNvPr>
+          <p:cNvSpPr>
+            <a:spLocks noGrp="1"/>
+          </p:cNvSpPr>
+          <p:nvPr>
+            <p:ph type="title"/>
+          </p:nvPr>
+        </p:nvSpPr>
+        <p:spPr/>
+        <p:txBody>
+          <a:bodyPr/>
+          <a:lstStyle/>
+          <a:p>
+            <a:r>
+              <a:rPr lang="de-AT" dirty="0"/>
+              <a:t>LCD-Display</a:t>
+            </a:r>
+          </a:p>
+        </p:txBody>
+      </p:sp>
+      <p:sp>
+        <p:nvSpPr>
+          <p:cNvPr id="3" name="Inhaltsplatzhalter 2">
+            <a:extLst>
+              <a:ext uri="{FF2B5EF4-FFF2-40B4-BE49-F238E27FC236}">
+                <a16:creationId xmlns:a16="http://schemas.microsoft.com/office/drawing/2014/main" id="{01496539-6493-364D-80ED-BCFC63DFC043}"/>
+              </a:ext>
+            </a:extLst>
+          </p:cNvPr>
+          <p:cNvSpPr>
+            <a:spLocks noGrp="1"/>
+          </p:cNvSpPr>
+          <p:nvPr>
+            <p:ph idx="1"/>
+          </p:nvPr>
+        </p:nvSpPr>
+        <p:spPr/>
+        <p:txBody>
+          <a:bodyPr/>
+          <a:lstStyle/>
+          <a:p>
+            <a:r>
+              <a:rPr lang="de-AT" dirty="0"/>
+              <a:t>Kommunikation mittels SPI </a:t>
+            </a:r>
+          </a:p>
+          <a:p>
+            <a:r>
+              <a:rPr lang="de-AT" dirty="0"/>
+              <a:t>Komplikationen mit kontinuierlicher Anzeige von Daten (</a:t>
+            </a:r>
+            <a:r>
+              <a:rPr lang="de-AT" dirty="0" err="1"/>
+              <a:t>display_clear</a:t>
+            </a:r>
+            <a:r>
+              <a:rPr lang="de-AT" dirty="0"/>
+              <a:t>(), </a:t>
+            </a:r>
+            <a:r>
+              <a:rPr lang="de-AT" dirty="0" err="1"/>
+              <a:t>display_sendstring</a:t>
+            </a:r>
+            <a:r>
+              <a:rPr lang="de-AT" dirty="0"/>
+              <a:t>() TODO</a:t>
+            </a:r>
+          </a:p>
+          <a:p>
+            <a:r>
+              <a:rPr lang="de-AT" dirty="0"/>
+              <a:t>Setzen der aktuellen Zeit mittels </a:t>
+            </a:r>
+            <a:r>
+              <a:rPr lang="de-AT" dirty="0" err="1"/>
+              <a:t>setter</a:t>
+            </a:r>
+            <a:r>
+              <a:rPr lang="de-AT" dirty="0"/>
+              <a:t> </a:t>
+            </a:r>
+            <a:r>
+              <a:rPr lang="de-AT" dirty="0" err="1"/>
+              <a:t>Functions</a:t>
+            </a:r>
+            <a:r>
+              <a:rPr lang="de-AT" dirty="0"/>
+              <a:t>.</a:t>
+            </a:r>
+          </a:p>
+        </p:txBody>
+      </p:sp>
+    </p:spTree>
+    <p:extLst>
+      <p:ext uri="{BB962C8B-B14F-4D97-AF65-F5344CB8AC3E}">
+        <p14:creationId xmlns:p14="http://schemas.microsoft.com/office/powerpoint/2010/main" val="820125928"/>
+      </p:ext>
+    </p:extLst>
+  </p:cSld>
+  <p:clrMapOvr>
+    <a:masterClrMapping/>
+  </p:clrMapOvr>
+</p:sld>
+</file>
+
+<file path=ppt/slides/slide4.xml><?xml version="1.0" encoding="utf-8"?>
+<p:sld xmlns:a="http://schemas.openxmlformats.org/drawingml/2006/main" xmlns:r="http://schemas.openxmlformats.org/officeDocument/2006/relationships" xmlns:p="http://schemas.openxmlformats.org/presentationml/2006/main">
+  <p:cSld>
+    <p:spTree>
+      <p:nvGrpSpPr>
+        <p:cNvPr id="1" name=""/>
+        <p:cNvGrpSpPr/>
+        <p:nvPr/>
+      </p:nvGrpSpPr>
+      <p:grpSpPr>
+        <a:xfrm>
+          <a:off x="0" y="0"/>
+          <a:ext cx="0" cy="0"/>
+          <a:chOff x="0" y="0"/>
+          <a:chExt cx="0" cy="0"/>
+        </a:xfrm>
+      </p:grpSpPr>
+      <p:sp>
+        <p:nvSpPr>
+          <p:cNvPr id="2" name="Titel 1">
+            <a:extLst>
+              <a:ext uri="{FF2B5EF4-FFF2-40B4-BE49-F238E27FC236}">
+                <a16:creationId xmlns:a16="http://schemas.microsoft.com/office/drawing/2014/main" id="{D021A03E-5483-134B-880E-9ECACD5788E4}"/>
+              </a:ext>
+            </a:extLst>
+          </p:cNvPr>
+          <p:cNvSpPr>
+            <a:spLocks noGrp="1"/>
+          </p:cNvSpPr>
+          <p:nvPr>
+            <p:ph type="title"/>
+          </p:nvPr>
+        </p:nvSpPr>
+        <p:spPr/>
+        <p:txBody>
+          <a:bodyPr/>
+          <a:lstStyle/>
+          <a:p>
+            <a:r>
+              <a:rPr lang="de-AT" dirty="0"/>
+              <a:t>Kommunikation zwischen Master-Slave</a:t>
+            </a:r>
+          </a:p>
+        </p:txBody>
+      </p:sp>
+      <p:sp>
+        <p:nvSpPr>
+          <p:cNvPr id="3" name="Inhaltsplatzhalter 2">
+            <a:extLst>
+              <a:ext uri="{FF2B5EF4-FFF2-40B4-BE49-F238E27FC236}">
+                <a16:creationId xmlns:a16="http://schemas.microsoft.com/office/drawing/2014/main" id="{BB27A154-1E3B-3E44-953D-88F9890E31D5}"/>
+              </a:ext>
+            </a:extLst>
+          </p:cNvPr>
+          <p:cNvSpPr>
+            <a:spLocks noGrp="1"/>
+          </p:cNvSpPr>
+          <p:nvPr>
+            <p:ph idx="1"/>
+          </p:nvPr>
+        </p:nvSpPr>
+        <p:spPr/>
+        <p:txBody>
+          <a:bodyPr>
+            <a:normAutofit fontScale="85000" lnSpcReduction="20000"/>
+          </a:bodyPr>
+          <a:lstStyle/>
+          <a:p>
+            <a:r>
+              <a:rPr lang="de-AT" dirty="0"/>
+              <a:t>0) </a:t>
+            </a:r>
+            <a:r>
+              <a:rPr lang="de-AT" dirty="0" err="1"/>
+              <a:t>Ask</a:t>
+            </a:r>
+            <a:r>
+              <a:rPr lang="de-AT" dirty="0"/>
+              <a:t> Slave </a:t>
+            </a:r>
+            <a:r>
+              <a:rPr lang="de-AT" dirty="0" err="1"/>
+              <a:t>if</a:t>
+            </a:r>
+            <a:r>
+              <a:rPr lang="de-AT" dirty="0"/>
+              <a:t> </a:t>
+            </a:r>
+            <a:r>
+              <a:rPr lang="de-AT" dirty="0" err="1"/>
+              <a:t>someone</a:t>
+            </a:r>
+            <a:r>
+              <a:rPr lang="de-AT" dirty="0"/>
+              <a:t> </a:t>
+            </a:r>
+            <a:r>
+              <a:rPr lang="de-AT" dirty="0" err="1"/>
+              <a:t>is</a:t>
+            </a:r>
+            <a:r>
+              <a:rPr lang="de-AT" dirty="0"/>
+              <a:t> </a:t>
+            </a:r>
+            <a:r>
+              <a:rPr lang="de-AT" dirty="0" err="1"/>
+              <a:t>near</a:t>
+            </a:r>
+            <a:r>
+              <a:rPr lang="de-AT" dirty="0"/>
+              <a:t> </a:t>
+            </a:r>
+            <a:r>
+              <a:rPr lang="de-AT" dirty="0" err="1"/>
+              <a:t>the</a:t>
+            </a:r>
+            <a:r>
+              <a:rPr lang="de-AT" dirty="0"/>
+              <a:t> </a:t>
+            </a:r>
+            <a:r>
+              <a:rPr lang="de-AT" dirty="0" err="1"/>
+              <a:t>traffic</a:t>
+            </a:r>
+            <a:r>
+              <a:rPr lang="de-AT" dirty="0"/>
+              <a:t> light --&gt; 1 </a:t>
+            </a:r>
+            <a:r>
+              <a:rPr lang="de-AT" dirty="0" err="1"/>
+              <a:t>yes</a:t>
+            </a:r>
+            <a:r>
+              <a:rPr lang="de-AT" dirty="0"/>
+              <a:t>, 0 </a:t>
+            </a:r>
+            <a:r>
+              <a:rPr lang="de-AT" dirty="0" err="1"/>
+              <a:t>no</a:t>
+            </a:r>
+            <a:r>
+              <a:rPr lang="de-AT" dirty="0"/>
+              <a:t> </a:t>
+            </a:r>
+          </a:p>
+          <a:p>
+            <a:r>
+              <a:rPr lang="de-AT" dirty="0"/>
+              <a:t>1) Blink Green</a:t>
+            </a:r>
+          </a:p>
+          <a:p>
+            <a:r>
+              <a:rPr lang="de-AT" dirty="0"/>
+              <a:t>2) Switch </a:t>
+            </a:r>
+            <a:r>
+              <a:rPr lang="de-AT" dirty="0" err="1"/>
+              <a:t>to</a:t>
+            </a:r>
+            <a:r>
+              <a:rPr lang="de-AT" dirty="0"/>
+              <a:t> Green Traffic Light</a:t>
+            </a:r>
+          </a:p>
+          <a:p>
+            <a:r>
+              <a:rPr lang="de-AT" dirty="0"/>
+              <a:t>3) Switch </a:t>
+            </a:r>
+            <a:r>
+              <a:rPr lang="de-AT" dirty="0" err="1"/>
+              <a:t>to</a:t>
+            </a:r>
+            <a:r>
+              <a:rPr lang="de-AT" dirty="0"/>
+              <a:t> Yellow Traffic Light</a:t>
+            </a:r>
+          </a:p>
+          <a:p>
+            <a:r>
+              <a:rPr lang="de-AT" dirty="0"/>
+              <a:t>4) Switch </a:t>
+            </a:r>
+            <a:r>
+              <a:rPr lang="de-AT" dirty="0" err="1"/>
+              <a:t>to</a:t>
+            </a:r>
+            <a:r>
+              <a:rPr lang="de-AT" dirty="0"/>
+              <a:t> </a:t>
+            </a:r>
+            <a:r>
+              <a:rPr lang="de-AT" dirty="0" err="1"/>
+              <a:t>Red</a:t>
+            </a:r>
+            <a:r>
+              <a:rPr lang="de-AT" dirty="0"/>
+              <a:t> Traffic Light</a:t>
+            </a:r>
+          </a:p>
+          <a:p>
+            <a:r>
+              <a:rPr lang="de-AT" dirty="0"/>
+              <a:t>5) Check </a:t>
+            </a:r>
+            <a:r>
+              <a:rPr lang="de-AT" dirty="0" err="1"/>
+              <a:t>if</a:t>
+            </a:r>
+            <a:r>
+              <a:rPr lang="de-AT" dirty="0"/>
+              <a:t> </a:t>
+            </a:r>
+            <a:r>
+              <a:rPr lang="de-AT" dirty="0" err="1"/>
+              <a:t>Someone</a:t>
+            </a:r>
+            <a:r>
+              <a:rPr lang="de-AT" dirty="0"/>
+              <a:t> </a:t>
+            </a:r>
+            <a:r>
+              <a:rPr lang="de-AT" dirty="0" err="1"/>
+              <a:t>is</a:t>
+            </a:r>
+            <a:r>
+              <a:rPr lang="de-AT" dirty="0"/>
+              <a:t> </a:t>
+            </a:r>
+            <a:r>
+              <a:rPr lang="de-AT" dirty="0" err="1"/>
+              <a:t>near</a:t>
+            </a:r>
+            <a:r>
+              <a:rPr lang="de-AT" dirty="0"/>
+              <a:t> </a:t>
+            </a:r>
+            <a:r>
+              <a:rPr lang="de-AT" dirty="0" err="1"/>
+              <a:t>the</a:t>
+            </a:r>
+            <a:r>
+              <a:rPr lang="de-AT" dirty="0"/>
+              <a:t> Traffic Light </a:t>
+            </a:r>
+            <a:r>
+              <a:rPr lang="de-AT" dirty="0" err="1"/>
+              <a:t>master</a:t>
+            </a:r>
+            <a:r>
+              <a:rPr lang="de-AT" dirty="0"/>
+              <a:t> --&gt; </a:t>
+            </a:r>
+            <a:r>
+              <a:rPr lang="de-AT" dirty="0" err="1"/>
+              <a:t>slave</a:t>
+            </a:r>
+            <a:r>
+              <a:rPr lang="de-AT" dirty="0"/>
+              <a:t> </a:t>
+            </a:r>
+            <a:r>
+              <a:rPr lang="de-AT" dirty="0" err="1"/>
+              <a:t>request</a:t>
+            </a:r>
+            <a:r>
+              <a:rPr lang="de-AT" dirty="0"/>
+              <a:t> </a:t>
+            </a:r>
+          </a:p>
+          <a:p>
+            <a:r>
+              <a:rPr lang="de-AT" dirty="0"/>
+              <a:t>6) Yes </a:t>
+            </a:r>
+            <a:r>
+              <a:rPr lang="de-AT" dirty="0" err="1"/>
+              <a:t>someone</a:t>
+            </a:r>
+            <a:r>
+              <a:rPr lang="de-AT" dirty="0"/>
+              <a:t> </a:t>
+            </a:r>
+            <a:r>
+              <a:rPr lang="de-AT" dirty="0" err="1"/>
+              <a:t>is</a:t>
+            </a:r>
+            <a:r>
+              <a:rPr lang="de-AT" dirty="0"/>
+              <a:t> </a:t>
+            </a:r>
+            <a:r>
+              <a:rPr lang="de-AT" dirty="0" err="1"/>
+              <a:t>near</a:t>
+            </a:r>
+            <a:r>
+              <a:rPr lang="de-AT" dirty="0"/>
+              <a:t> </a:t>
+            </a:r>
+            <a:r>
+              <a:rPr lang="de-AT" dirty="0" err="1"/>
+              <a:t>the</a:t>
+            </a:r>
+            <a:r>
+              <a:rPr lang="de-AT" dirty="0"/>
+              <a:t> Traffic Light // TODO </a:t>
+            </a:r>
+            <a:r>
+              <a:rPr lang="de-AT" dirty="0" err="1"/>
+              <a:t>delete</a:t>
+            </a:r>
+            <a:endParaRPr lang="de-AT" dirty="0"/>
+          </a:p>
+          <a:p>
+            <a:r>
+              <a:rPr lang="de-AT" dirty="0"/>
+              <a:t>7) </a:t>
+            </a:r>
+            <a:r>
+              <a:rPr lang="de-AT" dirty="0" err="1"/>
+              <a:t>Night</a:t>
+            </a:r>
+            <a:r>
+              <a:rPr lang="de-AT" dirty="0"/>
+              <a:t> Mode -- </a:t>
+            </a:r>
+            <a:r>
+              <a:rPr lang="de-AT" dirty="0" err="1"/>
+              <a:t>night</a:t>
+            </a:r>
+            <a:r>
+              <a:rPr lang="de-AT" dirty="0"/>
+              <a:t> </a:t>
+            </a:r>
+            <a:r>
+              <a:rPr lang="de-AT" dirty="0" err="1"/>
+              <a:t>mode</a:t>
+            </a:r>
+            <a:endParaRPr lang="de-AT" dirty="0"/>
+          </a:p>
+        </p:txBody>
+      </p:sp>
+    </p:spTree>
+    <p:extLst>
+      <p:ext uri="{BB962C8B-B14F-4D97-AF65-F5344CB8AC3E}">
+        <p14:creationId xmlns:p14="http://schemas.microsoft.com/office/powerpoint/2010/main" val="1683503829"/>
       </p:ext>
     </p:extLst>
   </p:cSld>

--- a/Projektpräsentation.pptx
+++ b/Projektpräsentation.pptx
@@ -7,8 +7,11 @@
   <p:sldIdLst>
     <p:sldId id="256" r:id="rId2"/>
     <p:sldId id="257" r:id="rId3"/>
-    <p:sldId id="258" r:id="rId4"/>
-    <p:sldId id="259" r:id="rId5"/>
+    <p:sldId id="262" r:id="rId4"/>
+    <p:sldId id="260" r:id="rId5"/>
+    <p:sldId id="261" r:id="rId6"/>
+    <p:sldId id="258" r:id="rId7"/>
+    <p:sldId id="259" r:id="rId8"/>
   </p:sldIdLst>
   <p:sldSz cx="12192000" cy="6858000"/>
   <p:notesSz cx="6858000" cy="9144000"/>
@@ -165,7 +168,7 @@
           <a:noFill/>
           <a:extLst>
             <a:ext uri="{909E8E84-426E-40dd-AFC4-6F175D3DCCD1}">
-              <a14:hiddenFill xmlns="" xmlns:a14="http://schemas.microsoft.com/office/drawing/2010/main">
+              <a14:hiddenFill xmlns:a14="http://schemas.microsoft.com/office/drawing/2010/main" xmlns="">
                 <a:solidFill>
                   <a:srgbClr val="FFFFFF"/>
                 </a:solidFill>
@@ -225,7 +228,7 @@
             </a:ln>
             <a:extLst>
               <a:ext uri="{91240B29-F687-4f45-9708-019B960494DF}">
-                <a14:hiddenLine xmlns="" xmlns:a14="http://schemas.microsoft.com/office/drawing/2010/main" w="9525">
+                <a14:hiddenLine xmlns:a14="http://schemas.microsoft.com/office/drawing/2010/main" xmlns="" w="9525">
                   <a:solidFill>
                     <a:srgbClr val="000000"/>
                   </a:solidFill>
@@ -315,7 +318,7 @@
             </a:ln>
             <a:extLst>
               <a:ext uri="{91240B29-F687-4f45-9708-019B960494DF}">
-                <a14:hiddenLine xmlns="" xmlns:a14="http://schemas.microsoft.com/office/drawing/2010/main" w="9525">
+                <a14:hiddenLine xmlns:a14="http://schemas.microsoft.com/office/drawing/2010/main" xmlns="" w="9525">
                   <a:solidFill>
                     <a:srgbClr val="000000"/>
                   </a:solidFill>
@@ -405,7 +408,7 @@
             </a:ln>
             <a:extLst>
               <a:ext uri="{91240B29-F687-4f45-9708-019B960494DF}">
-                <a14:hiddenLine xmlns="" xmlns:a14="http://schemas.microsoft.com/office/drawing/2010/main" w="9525">
+                <a14:hiddenLine xmlns:a14="http://schemas.microsoft.com/office/drawing/2010/main" xmlns="" w="9525">
                   <a:solidFill>
                     <a:srgbClr val="000000"/>
                   </a:solidFill>
@@ -439,7 +442,7 @@
             </a:ln>
             <a:extLst>
               <a:ext uri="{91240B29-F687-4f45-9708-019B960494DF}">
-                <a14:hiddenLine xmlns="" xmlns:a14="http://schemas.microsoft.com/office/drawing/2010/main" w="9525">
+                <a14:hiddenLine xmlns:a14="http://schemas.microsoft.com/office/drawing/2010/main" xmlns="" w="9525">
                   <a:solidFill>
                     <a:srgbClr val="000000"/>
                   </a:solidFill>
@@ -529,7 +532,7 @@
             </a:ln>
             <a:extLst>
               <a:ext uri="{91240B29-F687-4f45-9708-019B960494DF}">
-                <a14:hiddenLine xmlns="" xmlns:a14="http://schemas.microsoft.com/office/drawing/2010/main" w="9525">
+                <a14:hiddenLine xmlns:a14="http://schemas.microsoft.com/office/drawing/2010/main" xmlns="" w="9525">
                   <a:solidFill>
                     <a:srgbClr val="000000"/>
                   </a:solidFill>
@@ -591,7 +594,7 @@
             </a:ln>
             <a:extLst>
               <a:ext uri="{91240B29-F687-4f45-9708-019B960494DF}">
-                <a14:hiddenLine xmlns="" xmlns:a14="http://schemas.microsoft.com/office/drawing/2010/main" w="9525">
+                <a14:hiddenLine xmlns:a14="http://schemas.microsoft.com/office/drawing/2010/main" xmlns="" w="9525">
                   <a:solidFill>
                     <a:srgbClr val="000000"/>
                   </a:solidFill>
@@ -653,7 +656,7 @@
             </a:ln>
             <a:extLst>
               <a:ext uri="{91240B29-F687-4f45-9708-019B960494DF}">
-                <a14:hiddenLine xmlns="" xmlns:a14="http://schemas.microsoft.com/office/drawing/2010/main" w="9525">
+                <a14:hiddenLine xmlns:a14="http://schemas.microsoft.com/office/drawing/2010/main" xmlns="" w="9525">
                   <a:solidFill>
                     <a:srgbClr val="000000"/>
                   </a:solidFill>
@@ -743,7 +746,7 @@
             </a:ln>
             <a:extLst>
               <a:ext uri="{91240B29-F687-4f45-9708-019B960494DF}">
-                <a14:hiddenLine xmlns="" xmlns:a14="http://schemas.microsoft.com/office/drawing/2010/main" w="9525">
+                <a14:hiddenLine xmlns:a14="http://schemas.microsoft.com/office/drawing/2010/main" xmlns="" w="9525">
                   <a:solidFill>
                     <a:srgbClr val="000000"/>
                   </a:solidFill>
@@ -805,7 +808,7 @@
             </a:ln>
             <a:extLst>
               <a:ext uri="{91240B29-F687-4f45-9708-019B960494DF}">
-                <a14:hiddenLine xmlns="" xmlns:a14="http://schemas.microsoft.com/office/drawing/2010/main" w="9525">
+                <a14:hiddenLine xmlns:a14="http://schemas.microsoft.com/office/drawing/2010/main" xmlns="" w="9525">
                   <a:solidFill>
                     <a:srgbClr val="000000"/>
                   </a:solidFill>
@@ -867,7 +870,7 @@
             </a:ln>
             <a:extLst>
               <a:ext uri="{91240B29-F687-4f45-9708-019B960494DF}">
-                <a14:hiddenLine xmlns="" xmlns:a14="http://schemas.microsoft.com/office/drawing/2010/main" w="9525">
+                <a14:hiddenLine xmlns:a14="http://schemas.microsoft.com/office/drawing/2010/main" xmlns="" w="9525">
                   <a:solidFill>
                     <a:srgbClr val="000000"/>
                   </a:solidFill>
@@ -957,7 +960,7 @@
             </a:ln>
             <a:extLst>
               <a:ext uri="{91240B29-F687-4f45-9708-019B960494DF}">
-                <a14:hiddenLine xmlns="" xmlns:a14="http://schemas.microsoft.com/office/drawing/2010/main" w="9525">
+                <a14:hiddenLine xmlns:a14="http://schemas.microsoft.com/office/drawing/2010/main" xmlns="" w="9525">
                   <a:solidFill>
                     <a:srgbClr val="000000"/>
                   </a:solidFill>
@@ -1047,7 +1050,7 @@
             </a:ln>
             <a:extLst>
               <a:ext uri="{91240B29-F687-4f45-9708-019B960494DF}">
-                <a14:hiddenLine xmlns="" xmlns:a14="http://schemas.microsoft.com/office/drawing/2010/main" w="9525">
+                <a14:hiddenLine xmlns:a14="http://schemas.microsoft.com/office/drawing/2010/main" xmlns="" w="9525">
                   <a:solidFill>
                     <a:srgbClr val="000000"/>
                   </a:solidFill>
@@ -1109,7 +1112,7 @@
             </a:ln>
             <a:extLst>
               <a:ext uri="{91240B29-F687-4f45-9708-019B960494DF}">
-                <a14:hiddenLine xmlns="" xmlns:a14="http://schemas.microsoft.com/office/drawing/2010/main" w="9525">
+                <a14:hiddenLine xmlns:a14="http://schemas.microsoft.com/office/drawing/2010/main" xmlns="" w="9525">
                   <a:solidFill>
                     <a:srgbClr val="000000"/>
                   </a:solidFill>
@@ -1219,7 +1222,7 @@
             </a:ln>
             <a:extLst>
               <a:ext uri="{91240B29-F687-4f45-9708-019B960494DF}">
-                <a14:hiddenLine xmlns="" xmlns:a14="http://schemas.microsoft.com/office/drawing/2010/main" w="9525">
+                <a14:hiddenLine xmlns:a14="http://schemas.microsoft.com/office/drawing/2010/main" xmlns="" w="9525">
                   <a:solidFill>
                     <a:srgbClr val="000000"/>
                   </a:solidFill>
@@ -1281,7 +1284,7 @@
             </a:ln>
             <a:extLst>
               <a:ext uri="{91240B29-F687-4f45-9708-019B960494DF}">
-                <a14:hiddenLine xmlns="" xmlns:a14="http://schemas.microsoft.com/office/drawing/2010/main" w="9525">
+                <a14:hiddenLine xmlns:a14="http://schemas.microsoft.com/office/drawing/2010/main" xmlns="" w="9525">
                   <a:solidFill>
                     <a:srgbClr val="000000"/>
                   </a:solidFill>
@@ -1371,7 +1374,7 @@
             </a:ln>
             <a:extLst>
               <a:ext uri="{91240B29-F687-4f45-9708-019B960494DF}">
-                <a14:hiddenLine xmlns="" xmlns:a14="http://schemas.microsoft.com/office/drawing/2010/main" w="9525">
+                <a14:hiddenLine xmlns:a14="http://schemas.microsoft.com/office/drawing/2010/main" xmlns="" w="9525">
                   <a:solidFill>
                     <a:srgbClr val="000000"/>
                   </a:solidFill>
@@ -1461,7 +1464,7 @@
             </a:ln>
             <a:extLst>
               <a:ext uri="{91240B29-F687-4f45-9708-019B960494DF}">
-                <a14:hiddenLine xmlns="" xmlns:a14="http://schemas.microsoft.com/office/drawing/2010/main" w="9525">
+                <a14:hiddenLine xmlns:a14="http://schemas.microsoft.com/office/drawing/2010/main" xmlns="" w="9525">
                   <a:solidFill>
                     <a:srgbClr val="000000"/>
                   </a:solidFill>
@@ -1523,7 +1526,7 @@
             </a:ln>
             <a:extLst>
               <a:ext uri="{91240B29-F687-4f45-9708-019B960494DF}">
-                <a14:hiddenLine xmlns="" xmlns:a14="http://schemas.microsoft.com/office/drawing/2010/main" w="9525">
+                <a14:hiddenLine xmlns:a14="http://schemas.microsoft.com/office/drawing/2010/main" xmlns="" w="9525">
                   <a:solidFill>
                     <a:srgbClr val="000000"/>
                   </a:solidFill>
@@ -1613,7 +1616,7 @@
             </a:ln>
             <a:extLst>
               <a:ext uri="{91240B29-F687-4f45-9708-019B960494DF}">
-                <a14:hiddenLine xmlns="" xmlns:a14="http://schemas.microsoft.com/office/drawing/2010/main" w="9525">
+                <a14:hiddenLine xmlns:a14="http://schemas.microsoft.com/office/drawing/2010/main" xmlns="" w="9525">
                   <a:solidFill>
                     <a:srgbClr val="000000"/>
                   </a:solidFill>
@@ -1703,7 +1706,7 @@
             </a:ln>
             <a:extLst>
               <a:ext uri="{91240B29-F687-4f45-9708-019B960494DF}">
-                <a14:hiddenLine xmlns="" xmlns:a14="http://schemas.microsoft.com/office/drawing/2010/main" w="9525">
+                <a14:hiddenLine xmlns:a14="http://schemas.microsoft.com/office/drawing/2010/main" xmlns="" w="9525">
                   <a:solidFill>
                     <a:srgbClr val="000000"/>
                   </a:solidFill>
@@ -1759,7 +1762,7 @@
             </a:ln>
             <a:extLst>
               <a:ext uri="{91240B29-F687-4f45-9708-019B960494DF}">
-                <a14:hiddenLine xmlns="" xmlns:a14="http://schemas.microsoft.com/office/drawing/2010/main" w="9525">
+                <a14:hiddenLine xmlns:a14="http://schemas.microsoft.com/office/drawing/2010/main" xmlns="" w="9525">
                   <a:solidFill>
                     <a:srgbClr val="000000"/>
                   </a:solidFill>
@@ -1849,7 +1852,7 @@
             </a:ln>
             <a:extLst>
               <a:ext uri="{91240B29-F687-4f45-9708-019B960494DF}">
-                <a14:hiddenLine xmlns="" xmlns:a14="http://schemas.microsoft.com/office/drawing/2010/main" w="9525">
+                <a14:hiddenLine xmlns:a14="http://schemas.microsoft.com/office/drawing/2010/main" xmlns="" w="9525">
                   <a:solidFill>
                     <a:srgbClr val="000000"/>
                   </a:solidFill>
@@ -1905,7 +1908,7 @@
             </a:ln>
             <a:extLst>
               <a:ext uri="{91240B29-F687-4f45-9708-019B960494DF}">
-                <a14:hiddenLine xmlns="" xmlns:a14="http://schemas.microsoft.com/office/drawing/2010/main" w="9525">
+                <a14:hiddenLine xmlns:a14="http://schemas.microsoft.com/office/drawing/2010/main" xmlns="" w="9525">
                   <a:solidFill>
                     <a:srgbClr val="000000"/>
                   </a:solidFill>
@@ -1995,7 +1998,7 @@
             </a:ln>
             <a:extLst>
               <a:ext uri="{91240B29-F687-4f45-9708-019B960494DF}">
-                <a14:hiddenLine xmlns="" xmlns:a14="http://schemas.microsoft.com/office/drawing/2010/main" w="9525">
+                <a14:hiddenLine xmlns:a14="http://schemas.microsoft.com/office/drawing/2010/main" xmlns="" w="9525">
                   <a:solidFill>
                     <a:srgbClr val="000000"/>
                   </a:solidFill>
@@ -2063,7 +2066,7 @@
             </a:ln>
             <a:extLst>
               <a:ext uri="{91240B29-F687-4f45-9708-019B960494DF}">
-                <a14:hiddenLine xmlns="" xmlns:a14="http://schemas.microsoft.com/office/drawing/2010/main" w="9525">
+                <a14:hiddenLine xmlns:a14="http://schemas.microsoft.com/office/drawing/2010/main" xmlns="" w="9525">
                   <a:solidFill>
                     <a:srgbClr val="000000"/>
                   </a:solidFill>
@@ -2153,7 +2156,7 @@
             </a:ln>
             <a:extLst>
               <a:ext uri="{91240B29-F687-4f45-9708-019B960494DF}">
-                <a14:hiddenLine xmlns="" xmlns:a14="http://schemas.microsoft.com/office/drawing/2010/main" w="9525">
+                <a14:hiddenLine xmlns:a14="http://schemas.microsoft.com/office/drawing/2010/main" xmlns="" w="9525">
                   <a:solidFill>
                     <a:srgbClr val="000000"/>
                   </a:solidFill>
@@ -2221,7 +2224,7 @@
             </a:ln>
             <a:extLst>
               <a:ext uri="{91240B29-F687-4f45-9708-019B960494DF}">
-                <a14:hiddenLine xmlns="" xmlns:a14="http://schemas.microsoft.com/office/drawing/2010/main" w="9525">
+                <a14:hiddenLine xmlns:a14="http://schemas.microsoft.com/office/drawing/2010/main" xmlns="" w="9525">
                   <a:solidFill>
                     <a:srgbClr val="000000"/>
                   </a:solidFill>
@@ -2311,7 +2314,7 @@
             </a:ln>
             <a:extLst>
               <a:ext uri="{91240B29-F687-4f45-9708-019B960494DF}">
-                <a14:hiddenLine xmlns="" xmlns:a14="http://schemas.microsoft.com/office/drawing/2010/main" w="9525">
+                <a14:hiddenLine xmlns:a14="http://schemas.microsoft.com/office/drawing/2010/main" xmlns="" w="9525">
                   <a:solidFill>
                     <a:srgbClr val="000000"/>
                   </a:solidFill>
@@ -2345,7 +2348,7 @@
             </a:ln>
             <a:extLst>
               <a:ext uri="{91240B29-F687-4f45-9708-019B960494DF}">
-                <a14:hiddenLine xmlns="" xmlns:a14="http://schemas.microsoft.com/office/drawing/2010/main" w="9525">
+                <a14:hiddenLine xmlns:a14="http://schemas.microsoft.com/office/drawing/2010/main" xmlns="" w="9525">
                   <a:solidFill>
                     <a:srgbClr val="000000"/>
                   </a:solidFill>
@@ -2435,7 +2438,7 @@
             </a:ln>
             <a:extLst>
               <a:ext uri="{91240B29-F687-4f45-9708-019B960494DF}">
-                <a14:hiddenLine xmlns="" xmlns:a14="http://schemas.microsoft.com/office/drawing/2010/main" w="9525">
+                <a14:hiddenLine xmlns:a14="http://schemas.microsoft.com/office/drawing/2010/main" xmlns="" w="9525">
                   <a:solidFill>
                     <a:srgbClr val="000000"/>
                   </a:solidFill>
@@ -2497,7 +2500,7 @@
             </a:ln>
             <a:extLst>
               <a:ext uri="{91240B29-F687-4f45-9708-019B960494DF}">
-                <a14:hiddenLine xmlns="" xmlns:a14="http://schemas.microsoft.com/office/drawing/2010/main" w="9525">
+                <a14:hiddenLine xmlns:a14="http://schemas.microsoft.com/office/drawing/2010/main" xmlns="" w="9525">
                   <a:solidFill>
                     <a:srgbClr val="000000"/>
                   </a:solidFill>
@@ -2559,7 +2562,7 @@
             </a:ln>
             <a:extLst>
               <a:ext uri="{91240B29-F687-4f45-9708-019B960494DF}">
-                <a14:hiddenLine xmlns="" xmlns:a14="http://schemas.microsoft.com/office/drawing/2010/main" w="9525">
+                <a14:hiddenLine xmlns:a14="http://schemas.microsoft.com/office/drawing/2010/main" xmlns="" w="9525">
                   <a:solidFill>
                     <a:srgbClr val="000000"/>
                   </a:solidFill>
@@ -2649,7 +2652,7 @@
             </a:ln>
             <a:extLst>
               <a:ext uri="{91240B29-F687-4f45-9708-019B960494DF}">
-                <a14:hiddenLine xmlns="" xmlns:a14="http://schemas.microsoft.com/office/drawing/2010/main" w="9525">
+                <a14:hiddenLine xmlns:a14="http://schemas.microsoft.com/office/drawing/2010/main" xmlns="" w="9525">
                   <a:solidFill>
                     <a:srgbClr val="000000"/>
                   </a:solidFill>
@@ -2717,7 +2720,7 @@
             </a:ln>
             <a:extLst>
               <a:ext uri="{91240B29-F687-4f45-9708-019B960494DF}">
-                <a14:hiddenLine xmlns="" xmlns:a14="http://schemas.microsoft.com/office/drawing/2010/main" w="9525">
+                <a14:hiddenLine xmlns:a14="http://schemas.microsoft.com/office/drawing/2010/main" xmlns="" w="9525">
                   <a:solidFill>
                     <a:srgbClr val="000000"/>
                   </a:solidFill>
@@ -2779,7 +2782,7 @@
             </a:ln>
             <a:extLst>
               <a:ext uri="{91240B29-F687-4f45-9708-019B960494DF}">
-                <a14:hiddenLine xmlns="" xmlns:a14="http://schemas.microsoft.com/office/drawing/2010/main" w="9525">
+                <a14:hiddenLine xmlns:a14="http://schemas.microsoft.com/office/drawing/2010/main" xmlns="" w="9525">
                   <a:solidFill>
                     <a:srgbClr val="000000"/>
                   </a:solidFill>
@@ -2869,7 +2872,7 @@
             </a:ln>
             <a:extLst>
               <a:ext uri="{91240B29-F687-4f45-9708-019B960494DF}">
-                <a14:hiddenLine xmlns="" xmlns:a14="http://schemas.microsoft.com/office/drawing/2010/main" w="9525">
+                <a14:hiddenLine xmlns:a14="http://schemas.microsoft.com/office/drawing/2010/main" xmlns="" w="9525">
                   <a:solidFill>
                     <a:srgbClr val="000000"/>
                   </a:solidFill>
@@ -2931,7 +2934,7 @@
             </a:ln>
             <a:extLst>
               <a:ext uri="{91240B29-F687-4f45-9708-019B960494DF}">
-                <a14:hiddenLine xmlns="" xmlns:a14="http://schemas.microsoft.com/office/drawing/2010/main" w="9525">
+                <a14:hiddenLine xmlns:a14="http://schemas.microsoft.com/office/drawing/2010/main" xmlns="" w="9525">
                   <a:solidFill>
                     <a:srgbClr val="000000"/>
                   </a:solidFill>
@@ -3021,7 +3024,7 @@
             </a:ln>
             <a:extLst>
               <a:ext uri="{91240B29-F687-4f45-9708-019B960494DF}">
-                <a14:hiddenLine xmlns="" xmlns:a14="http://schemas.microsoft.com/office/drawing/2010/main" w="9525">
+                <a14:hiddenLine xmlns:a14="http://schemas.microsoft.com/office/drawing/2010/main" xmlns="" w="9525">
                   <a:solidFill>
                     <a:srgbClr val="000000"/>
                   </a:solidFill>
@@ -3083,7 +3086,7 @@
             </a:ln>
             <a:extLst>
               <a:ext uri="{91240B29-F687-4f45-9708-019B960494DF}">
-                <a14:hiddenLine xmlns="" xmlns:a14="http://schemas.microsoft.com/office/drawing/2010/main" w="9525">
+                <a14:hiddenLine xmlns:a14="http://schemas.microsoft.com/office/drawing/2010/main" xmlns="" w="9525">
                   <a:solidFill>
                     <a:srgbClr val="000000"/>
                   </a:solidFill>
@@ -3173,7 +3176,7 @@
             </a:ln>
             <a:extLst>
               <a:ext uri="{91240B29-F687-4f45-9708-019B960494DF}">
-                <a14:hiddenLine xmlns="" xmlns:a14="http://schemas.microsoft.com/office/drawing/2010/main" w="9525">
+                <a14:hiddenLine xmlns:a14="http://schemas.microsoft.com/office/drawing/2010/main" xmlns="" w="9525">
                   <a:solidFill>
                     <a:srgbClr val="000000"/>
                   </a:solidFill>
@@ -3207,7 +3210,7 @@
             </a:ln>
             <a:extLst>
               <a:ext uri="{91240B29-F687-4f45-9708-019B960494DF}">
-                <a14:hiddenLine xmlns="" xmlns:a14="http://schemas.microsoft.com/office/drawing/2010/main" w="9525">
+                <a14:hiddenLine xmlns:a14="http://schemas.microsoft.com/office/drawing/2010/main" xmlns="" w="9525">
                   <a:solidFill>
                     <a:srgbClr val="000000"/>
                   </a:solidFill>
@@ -3272,7 +3275,7 @@
             </a:ln>
             <a:extLst>
               <a:ext uri="{91240B29-F687-4f45-9708-019B960494DF}">
-                <a14:hiddenLine xmlns="" xmlns:a14="http://schemas.microsoft.com/office/drawing/2010/main" w="9525">
+                <a14:hiddenLine xmlns:a14="http://schemas.microsoft.com/office/drawing/2010/main" xmlns="" w="9525">
                   <a:solidFill>
                     <a:srgbClr val="000000"/>
                   </a:solidFill>
@@ -3362,7 +3365,7 @@
             </a:ln>
             <a:extLst>
               <a:ext uri="{91240B29-F687-4f45-9708-019B960494DF}">
-                <a14:hiddenLine xmlns="" xmlns:a14="http://schemas.microsoft.com/office/drawing/2010/main" w="9525">
+                <a14:hiddenLine xmlns:a14="http://schemas.microsoft.com/office/drawing/2010/main" xmlns="" w="9525">
                   <a:solidFill>
                     <a:srgbClr val="000000"/>
                   </a:solidFill>
@@ -3424,7 +3427,7 @@
             </a:ln>
             <a:extLst>
               <a:ext uri="{91240B29-F687-4f45-9708-019B960494DF}">
-                <a14:hiddenLine xmlns="" xmlns:a14="http://schemas.microsoft.com/office/drawing/2010/main" w="9525">
+                <a14:hiddenLine xmlns:a14="http://schemas.microsoft.com/office/drawing/2010/main" xmlns="" w="9525">
                   <a:solidFill>
                     <a:srgbClr val="000000"/>
                   </a:solidFill>
@@ -3514,7 +3517,7 @@
             </a:ln>
             <a:extLst>
               <a:ext uri="{91240B29-F687-4f45-9708-019B960494DF}">
-                <a14:hiddenLine xmlns="" xmlns:a14="http://schemas.microsoft.com/office/drawing/2010/main" w="9525">
+                <a14:hiddenLine xmlns:a14="http://schemas.microsoft.com/office/drawing/2010/main" xmlns="" w="9525">
                   <a:solidFill>
                     <a:srgbClr val="000000"/>
                   </a:solidFill>
@@ -3604,7 +3607,7 @@
             </a:ln>
             <a:extLst>
               <a:ext uri="{91240B29-F687-4f45-9708-019B960494DF}">
-                <a14:hiddenLine xmlns="" xmlns:a14="http://schemas.microsoft.com/office/drawing/2010/main" w="9525">
+                <a14:hiddenLine xmlns:a14="http://schemas.microsoft.com/office/drawing/2010/main" xmlns="" w="9525">
                   <a:solidFill>
                     <a:srgbClr val="000000"/>
                   </a:solidFill>
@@ -3669,7 +3672,7 @@
             </a:ln>
             <a:extLst>
               <a:ext uri="{91240B29-F687-4f45-9708-019B960494DF}">
-                <a14:hiddenLine xmlns="" xmlns:a14="http://schemas.microsoft.com/office/drawing/2010/main" w="9525">
+                <a14:hiddenLine xmlns:a14="http://schemas.microsoft.com/office/drawing/2010/main" xmlns="" w="9525">
                   <a:solidFill>
                     <a:srgbClr val="000000"/>
                   </a:solidFill>
@@ -3731,7 +3734,7 @@
             </a:ln>
             <a:extLst>
               <a:ext uri="{91240B29-F687-4f45-9708-019B960494DF}">
-                <a14:hiddenLine xmlns="" xmlns:a14="http://schemas.microsoft.com/office/drawing/2010/main" w="9525">
+                <a14:hiddenLine xmlns:a14="http://schemas.microsoft.com/office/drawing/2010/main" xmlns="" w="9525">
                   <a:solidFill>
                     <a:srgbClr val="000000"/>
                   </a:solidFill>
@@ -3821,7 +3824,7 @@
             </a:ln>
             <a:extLst>
               <a:ext uri="{91240B29-F687-4f45-9708-019B960494DF}">
-                <a14:hiddenLine xmlns="" xmlns:a14="http://schemas.microsoft.com/office/drawing/2010/main" w="9525">
+                <a14:hiddenLine xmlns:a14="http://schemas.microsoft.com/office/drawing/2010/main" xmlns="" w="9525">
                   <a:solidFill>
                     <a:srgbClr val="000000"/>
                   </a:solidFill>
@@ -3911,7 +3914,7 @@
             </a:ln>
             <a:extLst>
               <a:ext uri="{91240B29-F687-4f45-9708-019B960494DF}">
-                <a14:hiddenLine xmlns="" xmlns:a14="http://schemas.microsoft.com/office/drawing/2010/main" w="9525">
+                <a14:hiddenLine xmlns:a14="http://schemas.microsoft.com/office/drawing/2010/main" xmlns="" w="9525">
                   <a:solidFill>
                     <a:srgbClr val="000000"/>
                   </a:solidFill>
@@ -3973,7 +3976,7 @@
             </a:ln>
             <a:extLst>
               <a:ext uri="{91240B29-F687-4f45-9708-019B960494DF}">
-                <a14:hiddenLine xmlns="" xmlns:a14="http://schemas.microsoft.com/office/drawing/2010/main" w="9525">
+                <a14:hiddenLine xmlns:a14="http://schemas.microsoft.com/office/drawing/2010/main" xmlns="" w="9525">
                   <a:solidFill>
                     <a:srgbClr val="000000"/>
                   </a:solidFill>
@@ -4093,7 +4096,7 @@
             </a:ln>
             <a:extLst>
               <a:ext uri="{91240B29-F687-4f45-9708-019B960494DF}">
-                <a14:hiddenLine xmlns="" xmlns:a14="http://schemas.microsoft.com/office/drawing/2010/main" w="9525">
+                <a14:hiddenLine xmlns:a14="http://schemas.microsoft.com/office/drawing/2010/main" xmlns="" w="9525">
                   <a:solidFill>
                     <a:srgbClr val="000000"/>
                   </a:solidFill>
@@ -4161,7 +4164,7 @@
             </a:ln>
             <a:extLst>
               <a:ext uri="{91240B29-F687-4f45-9708-019B960494DF}">
-                <a14:hiddenLine xmlns="" xmlns:a14="http://schemas.microsoft.com/office/drawing/2010/main" w="9525">
+                <a14:hiddenLine xmlns:a14="http://schemas.microsoft.com/office/drawing/2010/main" xmlns="" w="9525">
                   <a:solidFill>
                     <a:srgbClr val="000000"/>
                   </a:solidFill>
@@ -4251,7 +4254,7 @@
             </a:ln>
             <a:extLst>
               <a:ext uri="{91240B29-F687-4f45-9708-019B960494DF}">
-                <a14:hiddenLine xmlns="" xmlns:a14="http://schemas.microsoft.com/office/drawing/2010/main" w="9525">
+                <a14:hiddenLine xmlns:a14="http://schemas.microsoft.com/office/drawing/2010/main" xmlns="" w="9525">
                   <a:solidFill>
                     <a:srgbClr val="000000"/>
                   </a:solidFill>
@@ -4391,7 +4394,7 @@
           <a:p>
             <a:fld id="{D2925426-A287-DF40-8AC9-26675AC6104F}" type="datetimeFigureOut">
               <a:rPr lang="de-AT" smtClean="0"/>
-              <a:t>19.01.20</a:t>
+              <a:t>19.01.2020</a:t>
             </a:fld>
             <a:endParaRPr lang="de-AT"/>
           </a:p>
@@ -4663,7 +4666,7 @@
           <a:p>
             <a:fld id="{D2925426-A287-DF40-8AC9-26675AC6104F}" type="datetimeFigureOut">
               <a:rPr lang="de-AT" smtClean="0"/>
-              <a:t>19.01.20</a:t>
+              <a:t>19.01.2020</a:t>
             </a:fld>
             <a:endParaRPr lang="de-AT"/>
           </a:p>
@@ -4864,7 +4867,7 @@
           <a:p>
             <a:fld id="{D2925426-A287-DF40-8AC9-26675AC6104F}" type="datetimeFigureOut">
               <a:rPr lang="de-AT" smtClean="0"/>
-              <a:t>19.01.20</a:t>
+              <a:t>19.01.2020</a:t>
             </a:fld>
             <a:endParaRPr lang="de-AT"/>
           </a:p>
@@ -5137,7 +5140,7 @@
           <a:p>
             <a:fld id="{D2925426-A287-DF40-8AC9-26675AC6104F}" type="datetimeFigureOut">
               <a:rPr lang="de-AT" smtClean="0"/>
-              <a:t>19.01.20</a:t>
+              <a:t>19.01.2020</a:t>
             </a:fld>
             <a:endParaRPr lang="de-AT"/>
           </a:p>
@@ -5576,7 +5579,7 @@
           <a:p>
             <a:fld id="{D2925426-A287-DF40-8AC9-26675AC6104F}" type="datetimeFigureOut">
               <a:rPr lang="de-AT" smtClean="0"/>
-              <a:t>19.01.20</a:t>
+              <a:t>19.01.2020</a:t>
             </a:fld>
             <a:endParaRPr lang="de-AT"/>
           </a:p>
@@ -6152,7 +6155,7 @@
           <a:p>
             <a:fld id="{D2925426-A287-DF40-8AC9-26675AC6104F}" type="datetimeFigureOut">
               <a:rPr lang="de-AT" smtClean="0"/>
-              <a:t>19.01.20</a:t>
+              <a:t>19.01.2020</a:t>
             </a:fld>
             <a:endParaRPr lang="de-AT"/>
           </a:p>
@@ -6902,7 +6905,7 @@
           <a:p>
             <a:fld id="{D2925426-A287-DF40-8AC9-26675AC6104F}" type="datetimeFigureOut">
               <a:rPr lang="de-AT" smtClean="0"/>
-              <a:t>19.01.20</a:t>
+              <a:t>19.01.2020</a:t>
             </a:fld>
             <a:endParaRPr lang="de-AT"/>
           </a:p>
@@ -7048,7 +7051,7 @@
           <a:p>
             <a:fld id="{D2925426-A287-DF40-8AC9-26675AC6104F}" type="datetimeFigureOut">
               <a:rPr lang="de-AT" smtClean="0"/>
-              <a:t>19.01.20</a:t>
+              <a:t>19.01.2020</a:t>
             </a:fld>
             <a:endParaRPr lang="de-AT"/>
           </a:p>
@@ -7204,7 +7207,7 @@
           <a:p>
             <a:fld id="{D2925426-A287-DF40-8AC9-26675AC6104F}" type="datetimeFigureOut">
               <a:rPr lang="de-AT" smtClean="0"/>
-              <a:t>19.01.20</a:t>
+              <a:t>19.01.2020</a:t>
             </a:fld>
             <a:endParaRPr lang="de-AT"/>
           </a:p>
@@ -7350,7 +7353,7 @@
           <a:p>
             <a:fld id="{D2925426-A287-DF40-8AC9-26675AC6104F}" type="datetimeFigureOut">
               <a:rPr lang="de-AT" smtClean="0"/>
-              <a:t>19.01.20</a:t>
+              <a:t>19.01.2020</a:t>
             </a:fld>
             <a:endParaRPr lang="de-AT"/>
           </a:p>
@@ -7605,7 +7608,7 @@
           <a:p>
             <a:fld id="{D2925426-A287-DF40-8AC9-26675AC6104F}" type="datetimeFigureOut">
               <a:rPr lang="de-AT" smtClean="0"/>
-              <a:t>19.01.20</a:t>
+              <a:t>19.01.2020</a:t>
             </a:fld>
             <a:endParaRPr lang="de-AT"/>
           </a:p>
@@ -7789,7 +7792,7 @@
           <a:p>
             <a:fld id="{D2925426-A287-DF40-8AC9-26675AC6104F}" type="datetimeFigureOut">
               <a:rPr lang="de-AT" smtClean="0"/>
-              <a:t>19.01.20</a:t>
+              <a:t>19.01.2020</a:t>
             </a:fld>
             <a:endParaRPr lang="de-AT"/>
           </a:p>
@@ -8132,7 +8135,7 @@
           <a:p>
             <a:fld id="{D2925426-A287-DF40-8AC9-26675AC6104F}" type="datetimeFigureOut">
               <a:rPr lang="de-AT" smtClean="0"/>
-              <a:t>19.01.20</a:t>
+              <a:t>19.01.2020</a:t>
             </a:fld>
             <a:endParaRPr lang="de-AT"/>
           </a:p>
@@ -8250,7 +8253,7 @@
           <a:p>
             <a:fld id="{D2925426-A287-DF40-8AC9-26675AC6104F}" type="datetimeFigureOut">
               <a:rPr lang="de-AT" smtClean="0"/>
-              <a:t>19.01.20</a:t>
+              <a:t>19.01.2020</a:t>
             </a:fld>
             <a:endParaRPr lang="de-AT"/>
           </a:p>
@@ -8345,7 +8348,7 @@
           <a:p>
             <a:fld id="{D2925426-A287-DF40-8AC9-26675AC6104F}" type="datetimeFigureOut">
               <a:rPr lang="de-AT" smtClean="0"/>
-              <a:t>19.01.20</a:t>
+              <a:t>19.01.2020</a:t>
             </a:fld>
             <a:endParaRPr lang="de-AT"/>
           </a:p>
@@ -8575,7 +8578,7 @@
           <a:p>
             <a:fld id="{D2925426-A287-DF40-8AC9-26675AC6104F}" type="datetimeFigureOut">
               <a:rPr lang="de-AT" smtClean="0"/>
-              <a:t>19.01.20</a:t>
+              <a:t>19.01.2020</a:t>
             </a:fld>
             <a:endParaRPr lang="de-AT"/>
           </a:p>
@@ -8860,7 +8863,7 @@
           <a:p>
             <a:fld id="{D2925426-A287-DF40-8AC9-26675AC6104F}" type="datetimeFigureOut">
               <a:rPr lang="de-AT" smtClean="0"/>
-              <a:t>19.01.20</a:t>
+              <a:t>19.01.2020</a:t>
             </a:fld>
             <a:endParaRPr lang="de-AT"/>
           </a:p>
@@ -8976,7 +8979,7 @@
           <a:noFill/>
           <a:extLst>
             <a:ext uri="{909E8E84-426E-40dd-AFC4-6F175D3DCCD1}">
-              <a14:hiddenFill xmlns="" xmlns:a14="http://schemas.microsoft.com/office/drawing/2010/main">
+              <a14:hiddenFill xmlns:a14="http://schemas.microsoft.com/office/drawing/2010/main" xmlns="">
                 <a:solidFill>
                   <a:srgbClr val="FFFFFF"/>
                 </a:solidFill>
@@ -9050,7 +9053,7 @@
               </a:ln>
               <a:extLst>
                 <a:ext uri="{91240B29-F687-4f45-9708-019B960494DF}">
-                  <a14:hiddenLine xmlns="" xmlns:a14="http://schemas.microsoft.com/office/drawing/2010/main" w="9525">
+                  <a14:hiddenLine xmlns:a14="http://schemas.microsoft.com/office/drawing/2010/main" xmlns="" w="9525">
                     <a:solidFill>
                       <a:srgbClr val="000000"/>
                     </a:solidFill>
@@ -9140,7 +9143,7 @@
               </a:ln>
               <a:extLst>
                 <a:ext uri="{91240B29-F687-4f45-9708-019B960494DF}">
-                  <a14:hiddenLine xmlns="" xmlns:a14="http://schemas.microsoft.com/office/drawing/2010/main" w="9525">
+                  <a14:hiddenLine xmlns:a14="http://schemas.microsoft.com/office/drawing/2010/main" xmlns="" w="9525">
                     <a:solidFill>
                       <a:srgbClr val="000000"/>
                     </a:solidFill>
@@ -9230,7 +9233,7 @@
               </a:ln>
               <a:extLst>
                 <a:ext uri="{91240B29-F687-4f45-9708-019B960494DF}">
-                  <a14:hiddenLine xmlns="" xmlns:a14="http://schemas.microsoft.com/office/drawing/2010/main" w="9525">
+                  <a14:hiddenLine xmlns:a14="http://schemas.microsoft.com/office/drawing/2010/main" xmlns="" w="9525">
                     <a:solidFill>
                       <a:srgbClr val="000000"/>
                     </a:solidFill>
@@ -9292,7 +9295,7 @@
               </a:ln>
               <a:extLst>
                 <a:ext uri="{91240B29-F687-4f45-9708-019B960494DF}">
-                  <a14:hiddenLine xmlns="" xmlns:a14="http://schemas.microsoft.com/office/drawing/2010/main" w="9525">
+                  <a14:hiddenLine xmlns:a14="http://schemas.microsoft.com/office/drawing/2010/main" xmlns="" w="9525">
                     <a:solidFill>
                       <a:srgbClr val="000000"/>
                     </a:solidFill>
@@ -9382,7 +9385,7 @@
               </a:ln>
               <a:extLst>
                 <a:ext uri="{91240B29-F687-4f45-9708-019B960494DF}">
-                  <a14:hiddenLine xmlns="" xmlns:a14="http://schemas.microsoft.com/office/drawing/2010/main" w="9525">
+                  <a14:hiddenLine xmlns:a14="http://schemas.microsoft.com/office/drawing/2010/main" xmlns="" w="9525">
                     <a:solidFill>
                       <a:srgbClr val="000000"/>
                     </a:solidFill>
@@ -9444,7 +9447,7 @@
               </a:ln>
               <a:extLst>
                 <a:ext uri="{91240B29-F687-4f45-9708-019B960494DF}">
-                  <a14:hiddenLine xmlns="" xmlns:a14="http://schemas.microsoft.com/office/drawing/2010/main" w="9525">
+                  <a14:hiddenLine xmlns:a14="http://schemas.microsoft.com/office/drawing/2010/main" xmlns="" w="9525">
                     <a:solidFill>
                       <a:srgbClr val="000000"/>
                     </a:solidFill>
@@ -9506,7 +9509,7 @@
               </a:ln>
               <a:extLst>
                 <a:ext uri="{91240B29-F687-4f45-9708-019B960494DF}">
-                  <a14:hiddenLine xmlns="" xmlns:a14="http://schemas.microsoft.com/office/drawing/2010/main" w="9525">
+                  <a14:hiddenLine xmlns:a14="http://schemas.microsoft.com/office/drawing/2010/main" xmlns="" w="9525">
                     <a:solidFill>
                       <a:srgbClr val="000000"/>
                     </a:solidFill>
@@ -9596,7 +9599,7 @@
               </a:ln>
               <a:extLst>
                 <a:ext uri="{91240B29-F687-4f45-9708-019B960494DF}">
-                  <a14:hiddenLine xmlns="" xmlns:a14="http://schemas.microsoft.com/office/drawing/2010/main" w="9525">
+                  <a14:hiddenLine xmlns:a14="http://schemas.microsoft.com/office/drawing/2010/main" xmlns="" w="9525">
                     <a:solidFill>
                       <a:srgbClr val="000000"/>
                     </a:solidFill>
@@ -9686,7 +9689,7 @@
               </a:ln>
               <a:extLst>
                 <a:ext uri="{91240B29-F687-4f45-9708-019B960494DF}">
-                  <a14:hiddenLine xmlns="" xmlns:a14="http://schemas.microsoft.com/office/drawing/2010/main" w="9525">
+                  <a14:hiddenLine xmlns:a14="http://schemas.microsoft.com/office/drawing/2010/main" xmlns="" w="9525">
                     <a:solidFill>
                       <a:srgbClr val="000000"/>
                     </a:solidFill>
@@ -9748,7 +9751,7 @@
               </a:ln>
               <a:extLst>
                 <a:ext uri="{91240B29-F687-4f45-9708-019B960494DF}">
-                  <a14:hiddenLine xmlns="" xmlns:a14="http://schemas.microsoft.com/office/drawing/2010/main" w="9525">
+                  <a14:hiddenLine xmlns:a14="http://schemas.microsoft.com/office/drawing/2010/main" xmlns="" w="9525">
                     <a:solidFill>
                       <a:srgbClr val="000000"/>
                     </a:solidFill>
@@ -9858,7 +9861,7 @@
               </a:ln>
               <a:extLst>
                 <a:ext uri="{91240B29-F687-4f45-9708-019B960494DF}">
-                  <a14:hiddenLine xmlns="" xmlns:a14="http://schemas.microsoft.com/office/drawing/2010/main" w="9525">
+                  <a14:hiddenLine xmlns:a14="http://schemas.microsoft.com/office/drawing/2010/main" xmlns="" w="9525">
                     <a:solidFill>
                       <a:srgbClr val="000000"/>
                     </a:solidFill>
@@ -9942,7 +9945,7 @@
               </a:ln>
               <a:extLst>
                 <a:ext uri="{91240B29-F687-4f45-9708-019B960494DF}">
-                  <a14:hiddenLine xmlns="" xmlns:a14="http://schemas.microsoft.com/office/drawing/2010/main" w="9525">
+                  <a14:hiddenLine xmlns:a14="http://schemas.microsoft.com/office/drawing/2010/main" xmlns="" w="9525">
                     <a:solidFill>
                       <a:srgbClr val="000000"/>
                     </a:solidFill>
@@ -10004,7 +10007,7 @@
               </a:ln>
               <a:extLst>
                 <a:ext uri="{91240B29-F687-4f45-9708-019B960494DF}">
-                  <a14:hiddenLine xmlns="" xmlns:a14="http://schemas.microsoft.com/office/drawing/2010/main" w="9525">
+                  <a14:hiddenLine xmlns:a14="http://schemas.microsoft.com/office/drawing/2010/main" xmlns="" w="9525">
                     <a:solidFill>
                       <a:srgbClr val="000000"/>
                     </a:solidFill>
@@ -10066,7 +10069,7 @@
               </a:ln>
               <a:extLst>
                 <a:ext uri="{91240B29-F687-4f45-9708-019B960494DF}">
-                  <a14:hiddenLine xmlns="" xmlns:a14="http://schemas.microsoft.com/office/drawing/2010/main" w="9525">
+                  <a14:hiddenLine xmlns:a14="http://schemas.microsoft.com/office/drawing/2010/main" xmlns="" w="9525">
                     <a:solidFill>
                       <a:srgbClr val="000000"/>
                     </a:solidFill>
@@ -10156,7 +10159,7 @@
               </a:ln>
               <a:extLst>
                 <a:ext uri="{91240B29-F687-4f45-9708-019B960494DF}">
-                  <a14:hiddenLine xmlns="" xmlns:a14="http://schemas.microsoft.com/office/drawing/2010/main" w="9525">
+                  <a14:hiddenLine xmlns:a14="http://schemas.microsoft.com/office/drawing/2010/main" xmlns="" w="9525">
                     <a:solidFill>
                       <a:srgbClr val="000000"/>
                     </a:solidFill>
@@ -10190,7 +10193,7 @@
               </a:ln>
               <a:extLst>
                 <a:ext uri="{91240B29-F687-4f45-9708-019B960494DF}">
-                  <a14:hiddenLine xmlns="" xmlns:a14="http://schemas.microsoft.com/office/drawing/2010/main" w="9525">
+                  <a14:hiddenLine xmlns:a14="http://schemas.microsoft.com/office/drawing/2010/main" xmlns="" w="9525">
                     <a:solidFill>
                       <a:srgbClr val="000000"/>
                     </a:solidFill>
@@ -10255,7 +10258,7 @@
               </a:ln>
               <a:extLst>
                 <a:ext uri="{91240B29-F687-4f45-9708-019B960494DF}">
-                  <a14:hiddenLine xmlns="" xmlns:a14="http://schemas.microsoft.com/office/drawing/2010/main" w="9525">
+                  <a14:hiddenLine xmlns:a14="http://schemas.microsoft.com/office/drawing/2010/main" xmlns="" w="9525">
                     <a:solidFill>
                       <a:srgbClr val="000000"/>
                     </a:solidFill>
@@ -10345,7 +10348,7 @@
               </a:ln>
               <a:extLst>
                 <a:ext uri="{91240B29-F687-4f45-9708-019B960494DF}">
-                  <a14:hiddenLine xmlns="" xmlns:a14="http://schemas.microsoft.com/office/drawing/2010/main" w="9525">
+                  <a14:hiddenLine xmlns:a14="http://schemas.microsoft.com/office/drawing/2010/main" xmlns="" w="9525">
                     <a:solidFill>
                       <a:srgbClr val="000000"/>
                     </a:solidFill>
@@ -10407,7 +10410,7 @@
               </a:ln>
               <a:extLst>
                 <a:ext uri="{91240B29-F687-4f45-9708-019B960494DF}">
-                  <a14:hiddenLine xmlns="" xmlns:a14="http://schemas.microsoft.com/office/drawing/2010/main" w="9525">
+                  <a14:hiddenLine xmlns:a14="http://schemas.microsoft.com/office/drawing/2010/main" xmlns="" w="9525">
                     <a:solidFill>
                       <a:srgbClr val="000000"/>
                     </a:solidFill>
@@ -10497,7 +10500,7 @@
               </a:ln>
               <a:extLst>
                 <a:ext uri="{91240B29-F687-4f45-9708-019B960494DF}">
-                  <a14:hiddenLine xmlns="" xmlns:a14="http://schemas.microsoft.com/office/drawing/2010/main" w="9525">
+                  <a14:hiddenLine xmlns:a14="http://schemas.microsoft.com/office/drawing/2010/main" xmlns="" w="9525">
                     <a:solidFill>
                       <a:srgbClr val="000000"/>
                     </a:solidFill>
@@ -10562,7 +10565,7 @@
               </a:ln>
               <a:extLst>
                 <a:ext uri="{91240B29-F687-4f45-9708-019B960494DF}">
-                  <a14:hiddenLine xmlns="" xmlns:a14="http://schemas.microsoft.com/office/drawing/2010/main" w="9525">
+                  <a14:hiddenLine xmlns:a14="http://schemas.microsoft.com/office/drawing/2010/main" xmlns="" w="9525">
                     <a:solidFill>
                       <a:srgbClr val="000000"/>
                     </a:solidFill>
@@ -10624,7 +10627,7 @@
               </a:ln>
               <a:extLst>
                 <a:ext uri="{91240B29-F687-4f45-9708-019B960494DF}">
-                  <a14:hiddenLine xmlns="" xmlns:a14="http://schemas.microsoft.com/office/drawing/2010/main" w="9525">
+                  <a14:hiddenLine xmlns:a14="http://schemas.microsoft.com/office/drawing/2010/main" xmlns="" w="9525">
                     <a:solidFill>
                       <a:srgbClr val="000000"/>
                     </a:solidFill>
@@ -10714,7 +10717,7 @@
               </a:ln>
               <a:extLst>
                 <a:ext uri="{91240B29-F687-4f45-9708-019B960494DF}">
-                  <a14:hiddenLine xmlns="" xmlns:a14="http://schemas.microsoft.com/office/drawing/2010/main" w="9525">
+                  <a14:hiddenLine xmlns:a14="http://schemas.microsoft.com/office/drawing/2010/main" xmlns="" w="9525">
                     <a:solidFill>
                       <a:srgbClr val="000000"/>
                     </a:solidFill>
@@ -10804,7 +10807,7 @@
               </a:ln>
               <a:extLst>
                 <a:ext uri="{91240B29-F687-4f45-9708-019B960494DF}">
-                  <a14:hiddenLine xmlns="" xmlns:a14="http://schemas.microsoft.com/office/drawing/2010/main" w="9525">
+                  <a14:hiddenLine xmlns:a14="http://schemas.microsoft.com/office/drawing/2010/main" xmlns="" w="9525">
                     <a:solidFill>
                       <a:srgbClr val="000000"/>
                     </a:solidFill>
@@ -10869,7 +10872,7 @@
               </a:ln>
               <a:extLst>
                 <a:ext uri="{91240B29-F687-4f45-9708-019B960494DF}">
-                  <a14:hiddenLine xmlns="" xmlns:a14="http://schemas.microsoft.com/office/drawing/2010/main" w="9525">
+                  <a14:hiddenLine xmlns:a14="http://schemas.microsoft.com/office/drawing/2010/main" xmlns="" w="9525">
                     <a:solidFill>
                       <a:srgbClr val="000000"/>
                     </a:solidFill>
@@ -10989,7 +10992,7 @@
               </a:ln>
               <a:extLst>
                 <a:ext uri="{91240B29-F687-4f45-9708-019B960494DF}">
-                  <a14:hiddenLine xmlns="" xmlns:a14="http://schemas.microsoft.com/office/drawing/2010/main" w="9525">
+                  <a14:hiddenLine xmlns:a14="http://schemas.microsoft.com/office/drawing/2010/main" xmlns="" w="9525">
                     <a:solidFill>
                       <a:srgbClr val="000000"/>
                     </a:solidFill>
@@ -11087,7 +11090,7 @@
               </a:ln>
               <a:extLst>
                 <a:ext uri="{91240B29-F687-4f45-9708-019B960494DF}">
-                  <a14:hiddenLine xmlns="" xmlns:a14="http://schemas.microsoft.com/office/drawing/2010/main" w="9525">
+                  <a14:hiddenLine xmlns:a14="http://schemas.microsoft.com/office/drawing/2010/main" xmlns="" w="9525">
                     <a:solidFill>
                       <a:srgbClr val="000000"/>
                     </a:solidFill>
@@ -11202,7 +11205,7 @@
               </a:ln>
               <a:extLst>
                 <a:ext uri="{91240B29-F687-4f45-9708-019B960494DF}">
-                  <a14:hiddenLine xmlns="" xmlns:a14="http://schemas.microsoft.com/office/drawing/2010/main" w="9525">
+                  <a14:hiddenLine xmlns:a14="http://schemas.microsoft.com/office/drawing/2010/main" xmlns="" w="9525">
                     <a:solidFill>
                       <a:srgbClr val="000000"/>
                     </a:solidFill>
@@ -11292,7 +11295,7 @@
               </a:ln>
               <a:extLst>
                 <a:ext uri="{91240B29-F687-4f45-9708-019B960494DF}">
-                  <a14:hiddenLine xmlns="" xmlns:a14="http://schemas.microsoft.com/office/drawing/2010/main" w="9525">
+                  <a14:hiddenLine xmlns:a14="http://schemas.microsoft.com/office/drawing/2010/main" xmlns="" w="9525">
                     <a:solidFill>
                       <a:srgbClr val="000000"/>
                     </a:solidFill>
@@ -11357,7 +11360,7 @@
               </a:ln>
               <a:extLst>
                 <a:ext uri="{91240B29-F687-4f45-9708-019B960494DF}">
-                  <a14:hiddenLine xmlns="" xmlns:a14="http://schemas.microsoft.com/office/drawing/2010/main" w="9525">
+                  <a14:hiddenLine xmlns:a14="http://schemas.microsoft.com/office/drawing/2010/main" xmlns="" w="9525">
                     <a:solidFill>
                       <a:srgbClr val="000000"/>
                     </a:solidFill>
@@ -11447,7 +11450,7 @@
               </a:ln>
               <a:extLst>
                 <a:ext uri="{91240B29-F687-4f45-9708-019B960494DF}">
-                  <a14:hiddenLine xmlns="" xmlns:a14="http://schemas.microsoft.com/office/drawing/2010/main" w="9525">
+                  <a14:hiddenLine xmlns:a14="http://schemas.microsoft.com/office/drawing/2010/main" xmlns="" w="9525">
                     <a:solidFill>
                       <a:srgbClr val="000000"/>
                     </a:solidFill>
@@ -11515,7 +11518,7 @@
               </a:ln>
               <a:extLst>
                 <a:ext uri="{91240B29-F687-4f45-9708-019B960494DF}">
-                  <a14:hiddenLine xmlns="" xmlns:a14="http://schemas.microsoft.com/office/drawing/2010/main" w="9525">
+                  <a14:hiddenLine xmlns:a14="http://schemas.microsoft.com/office/drawing/2010/main" xmlns="" w="9525">
                     <a:solidFill>
                       <a:srgbClr val="000000"/>
                     </a:solidFill>
@@ -11605,7 +11608,7 @@
               </a:ln>
               <a:extLst>
                 <a:ext uri="{91240B29-F687-4f45-9708-019B960494DF}">
-                  <a14:hiddenLine xmlns="" xmlns:a14="http://schemas.microsoft.com/office/drawing/2010/main" w="9525">
+                  <a14:hiddenLine xmlns:a14="http://schemas.microsoft.com/office/drawing/2010/main" xmlns="" w="9525">
                     <a:solidFill>
                       <a:srgbClr val="000000"/>
                     </a:solidFill>
@@ -11673,7 +11676,7 @@
               </a:ln>
               <a:extLst>
                 <a:ext uri="{91240B29-F687-4f45-9708-019B960494DF}">
-                  <a14:hiddenLine xmlns="" xmlns:a14="http://schemas.microsoft.com/office/drawing/2010/main" w="9525">
+                  <a14:hiddenLine xmlns:a14="http://schemas.microsoft.com/office/drawing/2010/main" xmlns="" w="9525">
                     <a:solidFill>
                       <a:srgbClr val="000000"/>
                     </a:solidFill>
@@ -11763,7 +11766,7 @@
               </a:ln>
               <a:extLst>
                 <a:ext uri="{91240B29-F687-4f45-9708-019B960494DF}">
-                  <a14:hiddenLine xmlns="" xmlns:a14="http://schemas.microsoft.com/office/drawing/2010/main" w="9525">
+                  <a14:hiddenLine xmlns:a14="http://schemas.microsoft.com/office/drawing/2010/main" xmlns="" w="9525">
                     <a:solidFill>
                       <a:srgbClr val="000000"/>
                     </a:solidFill>
@@ -11797,7 +11800,7 @@
               </a:ln>
               <a:extLst>
                 <a:ext uri="{91240B29-F687-4f45-9708-019B960494DF}">
-                  <a14:hiddenLine xmlns="" xmlns:a14="http://schemas.microsoft.com/office/drawing/2010/main" w="9525">
+                  <a14:hiddenLine xmlns:a14="http://schemas.microsoft.com/office/drawing/2010/main" xmlns="" w="9525">
                     <a:solidFill>
                       <a:srgbClr val="000000"/>
                     </a:solidFill>
@@ -11913,7 +11916,7 @@
           <a:p>
             <a:fld id="{D2925426-A287-DF40-8AC9-26675AC6104F}" type="datetimeFigureOut">
               <a:rPr lang="de-AT" smtClean="0"/>
-              <a:t>19.01.20</a:t>
+              <a:t>19.01.2020</a:t>
             </a:fld>
             <a:endParaRPr lang="de-AT"/>
           </a:p>
@@ -12338,7 +12341,7 @@
           <p:cNvPr id="2" name="Titel 1">
             <a:extLst>
               <a:ext uri="{FF2B5EF4-FFF2-40B4-BE49-F238E27FC236}">
-                <a16:creationId xmlns:a16="http://schemas.microsoft.com/office/drawing/2014/main" id="{3087781E-D25F-CB49-81D1-AEF19AB29960}"/>
+                <a16:creationId xmlns:a16="http://schemas.microsoft.com/office/drawing/2014/main" xmlns="" id="{3087781E-D25F-CB49-81D1-AEF19AB29960}"/>
               </a:ext>
             </a:extLst>
           </p:cNvPr>
@@ -12374,7 +12377,7 @@
           <p:cNvPr id="3" name="Untertitel 2">
             <a:extLst>
               <a:ext uri="{FF2B5EF4-FFF2-40B4-BE49-F238E27FC236}">
-                <a16:creationId xmlns:a16="http://schemas.microsoft.com/office/drawing/2014/main" id="{BBC58DFA-626E-1745-AD72-55FD92CB479B}"/>
+                <a16:creationId xmlns:a16="http://schemas.microsoft.com/office/drawing/2014/main" xmlns="" id="{BBC58DFA-626E-1745-AD72-55FD92CB479B}"/>
               </a:ext>
             </a:extLst>
           </p:cNvPr>
@@ -12445,7 +12448,7 @@
           <p:cNvPr id="2" name="Titel 1">
             <a:extLst>
               <a:ext uri="{FF2B5EF4-FFF2-40B4-BE49-F238E27FC236}">
-                <a16:creationId xmlns:a16="http://schemas.microsoft.com/office/drawing/2014/main" id="{9CBBCD4D-6E76-574D-AA15-A4BCDC7461E3}"/>
+                <a16:creationId xmlns:a16="http://schemas.microsoft.com/office/drawing/2014/main" xmlns="" id="{9CBBCD4D-6E76-574D-AA15-A4BCDC7461E3}"/>
               </a:ext>
             </a:extLst>
           </p:cNvPr>
@@ -12456,7 +12459,12 @@
             <p:ph type="title"/>
           </p:nvPr>
         </p:nvSpPr>
-        <p:spPr/>
+        <p:spPr>
+          <a:xfrm>
+            <a:off x="1141413" y="627144"/>
+            <a:ext cx="9905998" cy="1478570"/>
+          </a:xfrm>
+        </p:spPr>
         <p:txBody>
           <a:bodyPr/>
           <a:lstStyle/>
@@ -12473,7 +12481,7 @@
           <p:cNvPr id="3" name="Inhaltsplatzhalter 2">
             <a:extLst>
               <a:ext uri="{FF2B5EF4-FFF2-40B4-BE49-F238E27FC236}">
-                <a16:creationId xmlns:a16="http://schemas.microsoft.com/office/drawing/2014/main" id="{D0379444-EC57-A74C-8CF9-EC8E9503069F}"/>
+                <a16:creationId xmlns:a16="http://schemas.microsoft.com/office/drawing/2014/main" xmlns="" id="{D0379444-EC57-A74C-8CF9-EC8E9503069F}"/>
               </a:ext>
             </a:extLst>
           </p:cNvPr>
@@ -12585,13 +12593,7 @@
       </p:grpSpPr>
       <p:sp>
         <p:nvSpPr>
-          <p:cNvPr id="2" name="Titel 1">
-            <a:extLst>
-              <a:ext uri="{FF2B5EF4-FFF2-40B4-BE49-F238E27FC236}">
-                <a16:creationId xmlns:a16="http://schemas.microsoft.com/office/drawing/2014/main" id="{203D01F9-8D7A-284F-BD7B-3CCA0A5C68C1}"/>
-              </a:ext>
-            </a:extLst>
-          </p:cNvPr>
+          <p:cNvPr id="2" name="Titel 1"/>
           <p:cNvSpPr>
             <a:spLocks noGrp="1"/>
           </p:cNvSpPr>
@@ -12605,88 +12607,47 @@
           <a:lstStyle/>
           <a:p>
             <a:r>
-              <a:rPr lang="de-AT" dirty="0"/>
-              <a:t>LCD-Display</a:t>
-            </a:r>
+              <a:rPr lang="de-DE" dirty="0" smtClean="0"/>
+              <a:t>Blockschaltbild</a:t>
+            </a:r>
+            <a:endParaRPr lang="de-AT" dirty="0"/>
           </a:p>
         </p:txBody>
       </p:sp>
-      <p:sp>
-        <p:nvSpPr>
-          <p:cNvPr id="3" name="Inhaltsplatzhalter 2">
+      <p:pic>
+        <p:nvPicPr>
+          <p:cNvPr id="4" name="Grafik 3"/>
+          <p:cNvPicPr>
+            <a:picLocks noChangeAspect="1"/>
+          </p:cNvPicPr>
+          <p:nvPr/>
+        </p:nvPicPr>
+        <p:blipFill>
+          <a:blip r:embed="rId2">
             <a:extLst>
-              <a:ext uri="{FF2B5EF4-FFF2-40B4-BE49-F238E27FC236}">
-                <a16:creationId xmlns:a16="http://schemas.microsoft.com/office/drawing/2014/main" id="{01496539-6493-364D-80ED-BCFC63DFC043}"/>
+              <a:ext uri="{28A0092B-C50C-407E-A947-70E740481C1C}">
+                <a14:useLocalDpi xmlns:a14="http://schemas.microsoft.com/office/drawing/2010/main" val="0"/>
               </a:ext>
             </a:extLst>
-          </p:cNvPr>
-          <p:cNvSpPr>
-            <a:spLocks noGrp="1"/>
-          </p:cNvSpPr>
-          <p:nvPr>
-            <p:ph idx="1"/>
-          </p:nvPr>
-        </p:nvSpPr>
-        <p:spPr/>
-        <p:txBody>
-          <a:bodyPr/>
-          <a:lstStyle/>
-          <a:p>
-            <a:r>
-              <a:rPr lang="de-AT" dirty="0"/>
-              <a:t>Kommunikation mittels SPI </a:t>
-            </a:r>
-          </a:p>
-          <a:p>
-            <a:r>
-              <a:rPr lang="de-AT" dirty="0"/>
-              <a:t>Komplikationen mit kontinuierlicher Anzeige von Daten (</a:t>
-            </a:r>
-            <a:r>
-              <a:rPr lang="de-AT" dirty="0" err="1"/>
-              <a:t>display_clear</a:t>
-            </a:r>
-            <a:r>
-              <a:rPr lang="de-AT" dirty="0"/>
-              <a:t>(), </a:t>
-            </a:r>
-            <a:r>
-              <a:rPr lang="de-AT" dirty="0" err="1"/>
-              <a:t>display_sendstring</a:t>
-            </a:r>
-            <a:r>
-              <a:rPr lang="de-AT" dirty="0"/>
-              <a:t>() TODO</a:t>
-            </a:r>
-          </a:p>
-          <a:p>
-            <a:r>
-              <a:rPr lang="de-AT" dirty="0"/>
-              <a:t>Setzen der aktuellen Zeit mittels </a:t>
-            </a:r>
-            <a:r>
-              <a:rPr lang="de-AT" dirty="0" err="1"/>
-              <a:t>setter</a:t>
-            </a:r>
-            <a:r>
-              <a:rPr lang="de-AT" dirty="0"/>
-              <a:t> </a:t>
-            </a:r>
-            <a:r>
-              <a:rPr lang="de-AT" dirty="0" err="1"/>
-              <a:t>Functions</a:t>
-            </a:r>
-            <a:r>
-              <a:rPr lang="de-AT" dirty="0"/>
-              <a:t>.</a:t>
-            </a:r>
-          </a:p>
-        </p:txBody>
-      </p:sp>
+          </a:blip>
+          <a:stretch>
+            <a:fillRect/>
+          </a:stretch>
+        </p:blipFill>
+        <p:spPr>
+          <a:xfrm>
+            <a:off x="1141413" y="1933185"/>
+            <a:ext cx="9356934" cy="4215217"/>
+          </a:xfrm>
+          <a:prstGeom prst="rect">
+            <a:avLst/>
+          </a:prstGeom>
+        </p:spPr>
+      </p:pic>
     </p:spTree>
     <p:extLst>
       <p:ext uri="{BB962C8B-B14F-4D97-AF65-F5344CB8AC3E}">
-        <p14:creationId xmlns:p14="http://schemas.microsoft.com/office/powerpoint/2010/main" val="820125928"/>
+        <p14:creationId xmlns:p14="http://schemas.microsoft.com/office/powerpoint/2010/main" val="1899870246"/>
       </p:ext>
     </p:extLst>
   </p:cSld>
@@ -12715,10 +12676,279 @@
       </p:grpSpPr>
       <p:sp>
         <p:nvSpPr>
+          <p:cNvPr id="2" name="Titel 1"/>
+          <p:cNvSpPr>
+            <a:spLocks noGrp="1"/>
+          </p:cNvSpPr>
+          <p:nvPr>
+            <p:ph type="title"/>
+          </p:nvPr>
+        </p:nvSpPr>
+        <p:spPr/>
+        <p:txBody>
+          <a:bodyPr/>
+          <a:lstStyle/>
+          <a:p>
+            <a:r>
+              <a:rPr lang="de-DE" dirty="0" err="1" smtClean="0"/>
+              <a:t>UltraschallSensor</a:t>
+            </a:r>
+            <a:endParaRPr lang="de-AT" dirty="0"/>
+          </a:p>
+        </p:txBody>
+      </p:sp>
+      <p:sp>
+        <p:nvSpPr>
+          <p:cNvPr id="3" name="Inhaltsplatzhalter 2"/>
+          <p:cNvSpPr>
+            <a:spLocks noGrp="1"/>
+          </p:cNvSpPr>
+          <p:nvPr>
+            <p:ph idx="1"/>
+          </p:nvPr>
+        </p:nvSpPr>
+        <p:spPr>
+          <a:xfrm>
+            <a:off x="1141412" y="2173400"/>
+            <a:ext cx="3715260" cy="2458986"/>
+          </a:xfrm>
+        </p:spPr>
+        <p:txBody>
+          <a:bodyPr>
+            <a:normAutofit fontScale="92500" lnSpcReduction="10000"/>
+          </a:bodyPr>
+          <a:lstStyle/>
+          <a:p>
+            <a:r>
+              <a:rPr lang="de-DE" dirty="0" smtClean="0"/>
+              <a:t>Entfernungsmessung</a:t>
+            </a:r>
+          </a:p>
+          <a:p>
+            <a:r>
+              <a:rPr lang="de-DE" dirty="0" smtClean="0"/>
+              <a:t> Ultraschall</a:t>
+            </a:r>
+          </a:p>
+          <a:p>
+            <a:r>
+              <a:rPr lang="de-DE" dirty="0"/>
+              <a:t>Steuerung über </a:t>
+            </a:r>
+            <a:r>
+              <a:rPr lang="de-DE" dirty="0" smtClean="0"/>
+              <a:t>     GPIO-Pins</a:t>
+            </a:r>
+          </a:p>
+          <a:p>
+            <a:r>
+              <a:rPr lang="de-DE" dirty="0" smtClean="0"/>
+              <a:t>~30ms Messzyklus</a:t>
+            </a:r>
+          </a:p>
+        </p:txBody>
+      </p:sp>
+      <p:pic>
+        <p:nvPicPr>
+          <p:cNvPr id="4" name="Grafik 3"/>
+          <p:cNvPicPr>
+            <a:picLocks noChangeAspect="1"/>
+          </p:cNvPicPr>
+          <p:nvPr/>
+        </p:nvPicPr>
+        <p:blipFill>
+          <a:blip r:embed="rId2"/>
+          <a:stretch>
+            <a:fillRect/>
+          </a:stretch>
+        </p:blipFill>
+        <p:spPr>
+          <a:xfrm>
+            <a:off x="4856672" y="2173400"/>
+            <a:ext cx="6495600" cy="3475399"/>
+          </a:xfrm>
+          <a:prstGeom prst="rect">
+            <a:avLst/>
+          </a:prstGeom>
+        </p:spPr>
+      </p:pic>
+      <p:pic>
+        <p:nvPicPr>
+          <p:cNvPr id="5" name="Grafik 4"/>
+          <p:cNvPicPr>
+            <a:picLocks noChangeAspect="1"/>
+          </p:cNvPicPr>
+          <p:nvPr/>
+        </p:nvPicPr>
+        <p:blipFill>
+          <a:blip r:embed="rId3"/>
+          <a:stretch>
+            <a:fillRect/>
+          </a:stretch>
+        </p:blipFill>
+        <p:spPr>
+          <a:xfrm>
+            <a:off x="1871932" y="4708698"/>
+            <a:ext cx="2681198" cy="1637776"/>
+          </a:xfrm>
+          <a:prstGeom prst="rect">
+            <a:avLst/>
+          </a:prstGeom>
+        </p:spPr>
+      </p:pic>
+    </p:spTree>
+    <p:extLst>
+      <p:ext uri="{BB962C8B-B14F-4D97-AF65-F5344CB8AC3E}">
+        <p14:creationId xmlns:p14="http://schemas.microsoft.com/office/powerpoint/2010/main" val="3889974188"/>
+      </p:ext>
+    </p:extLst>
+  </p:cSld>
+  <p:clrMapOvr>
+    <a:masterClrMapping/>
+  </p:clrMapOvr>
+</p:sld>
+</file>
+
+<file path=ppt/slides/slide5.xml><?xml version="1.0" encoding="utf-8"?>
+<p:sld xmlns:a="http://schemas.openxmlformats.org/drawingml/2006/main" xmlns:r="http://schemas.openxmlformats.org/officeDocument/2006/relationships" xmlns:p="http://schemas.openxmlformats.org/presentationml/2006/main">
+  <p:cSld>
+    <p:spTree>
+      <p:nvGrpSpPr>
+        <p:cNvPr id="1" name=""/>
+        <p:cNvGrpSpPr/>
+        <p:nvPr/>
+      </p:nvGrpSpPr>
+      <p:grpSpPr>
+        <a:xfrm>
+          <a:off x="0" y="0"/>
+          <a:ext cx="0" cy="0"/>
+          <a:chOff x="0" y="0"/>
+          <a:chExt cx="0" cy="0"/>
+        </a:xfrm>
+      </p:grpSpPr>
+      <p:sp>
+        <p:nvSpPr>
+          <p:cNvPr id="2" name="Titel 1"/>
+          <p:cNvSpPr>
+            <a:spLocks noGrp="1"/>
+          </p:cNvSpPr>
+          <p:nvPr>
+            <p:ph type="title"/>
+          </p:nvPr>
+        </p:nvSpPr>
+        <p:spPr/>
+        <p:txBody>
+          <a:bodyPr/>
+          <a:lstStyle/>
+          <a:p>
+            <a:r>
+              <a:rPr lang="de-DE" dirty="0" smtClean="0"/>
+              <a:t>Buzzer </a:t>
+            </a:r>
+            <a:endParaRPr lang="de-AT" dirty="0"/>
+          </a:p>
+        </p:txBody>
+      </p:sp>
+      <p:sp>
+        <p:nvSpPr>
+          <p:cNvPr id="3" name="Inhaltsplatzhalter 2"/>
+          <p:cNvSpPr>
+            <a:spLocks noGrp="1"/>
+          </p:cNvSpPr>
+          <p:nvPr>
+            <p:ph idx="1"/>
+          </p:nvPr>
+        </p:nvSpPr>
+        <p:spPr>
+          <a:xfrm>
+            <a:off x="1141412" y="2097088"/>
+            <a:ext cx="4396745" cy="3694113"/>
+          </a:xfrm>
+        </p:spPr>
+        <p:txBody>
+          <a:bodyPr/>
+          <a:lstStyle/>
+          <a:p>
+            <a:r>
+              <a:rPr lang="de-DE" dirty="0" smtClean="0"/>
+              <a:t>Ton Erzeugung</a:t>
+            </a:r>
+          </a:p>
+          <a:p>
+            <a:r>
+              <a:rPr lang="de-DE" dirty="0" smtClean="0"/>
+              <a:t>Steuerung über GPIO-Pins</a:t>
+            </a:r>
+          </a:p>
+          <a:p>
+            <a:r>
+              <a:rPr lang="de-DE" dirty="0" smtClean="0"/>
+              <a:t>Frequenzgesteuert </a:t>
+            </a:r>
+            <a:endParaRPr lang="de-AT" dirty="0"/>
+          </a:p>
+        </p:txBody>
+      </p:sp>
+      <p:pic>
+        <p:nvPicPr>
+          <p:cNvPr id="4" name="Grafik 3"/>
+          <p:cNvPicPr>
+            <a:picLocks noChangeAspect="1"/>
+          </p:cNvPicPr>
+          <p:nvPr/>
+        </p:nvPicPr>
+        <p:blipFill>
+          <a:blip r:embed="rId2"/>
+          <a:stretch>
+            <a:fillRect/>
+          </a:stretch>
+        </p:blipFill>
+        <p:spPr>
+          <a:xfrm>
+            <a:off x="6941790" y="2097088"/>
+            <a:ext cx="2833569" cy="2654151"/>
+          </a:xfrm>
+          <a:prstGeom prst="rect">
+            <a:avLst/>
+          </a:prstGeom>
+        </p:spPr>
+      </p:pic>
+    </p:spTree>
+    <p:extLst>
+      <p:ext uri="{BB962C8B-B14F-4D97-AF65-F5344CB8AC3E}">
+        <p14:creationId xmlns:p14="http://schemas.microsoft.com/office/powerpoint/2010/main" val="2165402364"/>
+      </p:ext>
+    </p:extLst>
+  </p:cSld>
+  <p:clrMapOvr>
+    <a:masterClrMapping/>
+  </p:clrMapOvr>
+</p:sld>
+</file>
+
+<file path=ppt/slides/slide6.xml><?xml version="1.0" encoding="utf-8"?>
+<p:sld xmlns:a="http://schemas.openxmlformats.org/drawingml/2006/main" xmlns:r="http://schemas.openxmlformats.org/officeDocument/2006/relationships" xmlns:p="http://schemas.openxmlformats.org/presentationml/2006/main">
+  <p:cSld>
+    <p:spTree>
+      <p:nvGrpSpPr>
+        <p:cNvPr id="1" name=""/>
+        <p:cNvGrpSpPr/>
+        <p:nvPr/>
+      </p:nvGrpSpPr>
+      <p:grpSpPr>
+        <a:xfrm>
+          <a:off x="0" y="0"/>
+          <a:ext cx="0" cy="0"/>
+          <a:chOff x="0" y="0"/>
+          <a:chExt cx="0" cy="0"/>
+        </a:xfrm>
+      </p:grpSpPr>
+      <p:sp>
+        <p:nvSpPr>
           <p:cNvPr id="2" name="Titel 1">
             <a:extLst>
               <a:ext uri="{FF2B5EF4-FFF2-40B4-BE49-F238E27FC236}">
-                <a16:creationId xmlns:a16="http://schemas.microsoft.com/office/drawing/2014/main" id="{D021A03E-5483-134B-880E-9ECACD5788E4}"/>
+                <a16:creationId xmlns:a16="http://schemas.microsoft.com/office/drawing/2014/main" xmlns="" id="{203D01F9-8D7A-284F-BD7B-3CCA0A5C68C1}"/>
               </a:ext>
             </a:extLst>
           </p:cNvPr>
@@ -12736,7 +12966,7 @@
           <a:p>
             <a:r>
               <a:rPr lang="de-AT" dirty="0"/>
-              <a:t>Kommunikation zwischen Master-Slave</a:t>
+              <a:t>LCD-Display</a:t>
             </a:r>
           </a:p>
         </p:txBody>
@@ -12746,7 +12976,137 @@
           <p:cNvPr id="3" name="Inhaltsplatzhalter 2">
             <a:extLst>
               <a:ext uri="{FF2B5EF4-FFF2-40B4-BE49-F238E27FC236}">
-                <a16:creationId xmlns:a16="http://schemas.microsoft.com/office/drawing/2014/main" id="{BB27A154-1E3B-3E44-953D-88F9890E31D5}"/>
+                <a16:creationId xmlns:a16="http://schemas.microsoft.com/office/drawing/2014/main" xmlns="" id="{01496539-6493-364D-80ED-BCFC63DFC043}"/>
+              </a:ext>
+            </a:extLst>
+          </p:cNvPr>
+          <p:cNvSpPr>
+            <a:spLocks noGrp="1"/>
+          </p:cNvSpPr>
+          <p:nvPr>
+            <p:ph idx="1"/>
+          </p:nvPr>
+        </p:nvSpPr>
+        <p:spPr/>
+        <p:txBody>
+          <a:bodyPr/>
+          <a:lstStyle/>
+          <a:p>
+            <a:r>
+              <a:rPr lang="de-AT" dirty="0"/>
+              <a:t>Kommunikation mittels SPI </a:t>
+            </a:r>
+          </a:p>
+          <a:p>
+            <a:r>
+              <a:rPr lang="de-AT" dirty="0"/>
+              <a:t>Komplikationen mit kontinuierlicher Anzeige von Daten (</a:t>
+            </a:r>
+            <a:r>
+              <a:rPr lang="de-AT" dirty="0" err="1"/>
+              <a:t>display_clear</a:t>
+            </a:r>
+            <a:r>
+              <a:rPr lang="de-AT" dirty="0"/>
+              <a:t>(), </a:t>
+            </a:r>
+            <a:r>
+              <a:rPr lang="de-AT" dirty="0" err="1"/>
+              <a:t>display_sendstring</a:t>
+            </a:r>
+            <a:r>
+              <a:rPr lang="de-AT" dirty="0"/>
+              <a:t>() TODO</a:t>
+            </a:r>
+          </a:p>
+          <a:p>
+            <a:r>
+              <a:rPr lang="de-AT" dirty="0"/>
+              <a:t>Setzen der aktuellen Zeit mittels </a:t>
+            </a:r>
+            <a:r>
+              <a:rPr lang="de-AT" dirty="0" err="1"/>
+              <a:t>setter</a:t>
+            </a:r>
+            <a:r>
+              <a:rPr lang="de-AT" dirty="0"/>
+              <a:t> </a:t>
+            </a:r>
+            <a:r>
+              <a:rPr lang="de-AT" dirty="0" err="1"/>
+              <a:t>Functions</a:t>
+            </a:r>
+            <a:r>
+              <a:rPr lang="de-AT" dirty="0"/>
+              <a:t>.</a:t>
+            </a:r>
+          </a:p>
+        </p:txBody>
+      </p:sp>
+    </p:spTree>
+    <p:extLst>
+      <p:ext uri="{BB962C8B-B14F-4D97-AF65-F5344CB8AC3E}">
+        <p14:creationId xmlns:p14="http://schemas.microsoft.com/office/powerpoint/2010/main" val="820125928"/>
+      </p:ext>
+    </p:extLst>
+  </p:cSld>
+  <p:clrMapOvr>
+    <a:masterClrMapping/>
+  </p:clrMapOvr>
+</p:sld>
+</file>
+
+<file path=ppt/slides/slide7.xml><?xml version="1.0" encoding="utf-8"?>
+<p:sld xmlns:a="http://schemas.openxmlformats.org/drawingml/2006/main" xmlns:r="http://schemas.openxmlformats.org/officeDocument/2006/relationships" xmlns:p="http://schemas.openxmlformats.org/presentationml/2006/main">
+  <p:cSld>
+    <p:spTree>
+      <p:nvGrpSpPr>
+        <p:cNvPr id="1" name=""/>
+        <p:cNvGrpSpPr/>
+        <p:nvPr/>
+      </p:nvGrpSpPr>
+      <p:grpSpPr>
+        <a:xfrm>
+          <a:off x="0" y="0"/>
+          <a:ext cx="0" cy="0"/>
+          <a:chOff x="0" y="0"/>
+          <a:chExt cx="0" cy="0"/>
+        </a:xfrm>
+      </p:grpSpPr>
+      <p:sp>
+        <p:nvSpPr>
+          <p:cNvPr id="2" name="Titel 1">
+            <a:extLst>
+              <a:ext uri="{FF2B5EF4-FFF2-40B4-BE49-F238E27FC236}">
+                <a16:creationId xmlns:a16="http://schemas.microsoft.com/office/drawing/2014/main" xmlns="" id="{D021A03E-5483-134B-880E-9ECACD5788E4}"/>
+              </a:ext>
+            </a:extLst>
+          </p:cNvPr>
+          <p:cNvSpPr>
+            <a:spLocks noGrp="1"/>
+          </p:cNvSpPr>
+          <p:nvPr>
+            <p:ph type="title"/>
+          </p:nvPr>
+        </p:nvSpPr>
+        <p:spPr/>
+        <p:txBody>
+          <a:bodyPr/>
+          <a:lstStyle/>
+          <a:p>
+            <a:r>
+              <a:rPr lang="de-AT" dirty="0"/>
+              <a:t>Kommunikation zwischen Master-Slave</a:t>
+            </a:r>
+          </a:p>
+        </p:txBody>
+      </p:sp>
+      <p:sp>
+        <p:nvSpPr>
+          <p:cNvPr id="3" name="Inhaltsplatzhalter 2">
+            <a:extLst>
+              <a:ext uri="{FF2B5EF4-FFF2-40B4-BE49-F238E27FC236}">
+                <a16:creationId xmlns:a16="http://schemas.microsoft.com/office/drawing/2014/main" xmlns="" id="{BB27A154-1E3B-3E44-953D-88F9890E31D5}"/>
               </a:ext>
             </a:extLst>
           </p:cNvPr>
